--- a/hw12/S.pptx
+++ b/hw12/S.pptx
@@ -254,7 +254,7 @@
           <a:p>
             <a:fld id="{8C104EC5-4177-4530-BBB1-423F98717CDA}" type="datetimeFigureOut">
               <a:rPr lang="zh-TW" altLang="en-US" smtClean="0"/>
-              <a:t>2016/5/17</a:t>
+              <a:t>2016/5/21</a:t>
             </a:fld>
             <a:endParaRPr lang="zh-TW" altLang="en-US"/>
           </a:p>
@@ -424,7 +424,7 @@
           <a:p>
             <a:fld id="{8C104EC5-4177-4530-BBB1-423F98717CDA}" type="datetimeFigureOut">
               <a:rPr lang="zh-TW" altLang="en-US" smtClean="0"/>
-              <a:t>2016/5/17</a:t>
+              <a:t>2016/5/21</a:t>
             </a:fld>
             <a:endParaRPr lang="zh-TW" altLang="en-US"/>
           </a:p>
@@ -604,7 +604,7 @@
           <a:p>
             <a:fld id="{8C104EC5-4177-4530-BBB1-423F98717CDA}" type="datetimeFigureOut">
               <a:rPr lang="zh-TW" altLang="en-US" smtClean="0"/>
-              <a:t>2016/5/17</a:t>
+              <a:t>2016/5/21</a:t>
             </a:fld>
             <a:endParaRPr lang="zh-TW" altLang="en-US"/>
           </a:p>
@@ -774,7 +774,7 @@
           <a:p>
             <a:fld id="{8C104EC5-4177-4530-BBB1-423F98717CDA}" type="datetimeFigureOut">
               <a:rPr lang="zh-TW" altLang="en-US" smtClean="0"/>
-              <a:t>2016/5/17</a:t>
+              <a:t>2016/5/21</a:t>
             </a:fld>
             <a:endParaRPr lang="zh-TW" altLang="en-US"/>
           </a:p>
@@ -1018,7 +1018,7 @@
           <a:p>
             <a:fld id="{8C104EC5-4177-4530-BBB1-423F98717CDA}" type="datetimeFigureOut">
               <a:rPr lang="zh-TW" altLang="en-US" smtClean="0"/>
-              <a:t>2016/5/17</a:t>
+              <a:t>2016/5/21</a:t>
             </a:fld>
             <a:endParaRPr lang="zh-TW" altLang="en-US"/>
           </a:p>
@@ -1250,7 +1250,7 @@
           <a:p>
             <a:fld id="{8C104EC5-4177-4530-BBB1-423F98717CDA}" type="datetimeFigureOut">
               <a:rPr lang="zh-TW" altLang="en-US" smtClean="0"/>
-              <a:t>2016/5/17</a:t>
+              <a:t>2016/5/21</a:t>
             </a:fld>
             <a:endParaRPr lang="zh-TW" altLang="en-US"/>
           </a:p>
@@ -1617,7 +1617,7 @@
           <a:p>
             <a:fld id="{8C104EC5-4177-4530-BBB1-423F98717CDA}" type="datetimeFigureOut">
               <a:rPr lang="zh-TW" altLang="en-US" smtClean="0"/>
-              <a:t>2016/5/17</a:t>
+              <a:t>2016/5/21</a:t>
             </a:fld>
             <a:endParaRPr lang="zh-TW" altLang="en-US"/>
           </a:p>
@@ -1735,7 +1735,7 @@
           <a:p>
             <a:fld id="{8C104EC5-4177-4530-BBB1-423F98717CDA}" type="datetimeFigureOut">
               <a:rPr lang="zh-TW" altLang="en-US" smtClean="0"/>
-              <a:t>2016/5/17</a:t>
+              <a:t>2016/5/21</a:t>
             </a:fld>
             <a:endParaRPr lang="zh-TW" altLang="en-US"/>
           </a:p>
@@ -1830,7 +1830,7 @@
           <a:p>
             <a:fld id="{8C104EC5-4177-4530-BBB1-423F98717CDA}" type="datetimeFigureOut">
               <a:rPr lang="zh-TW" altLang="en-US" smtClean="0"/>
-              <a:t>2016/5/17</a:t>
+              <a:t>2016/5/21</a:t>
             </a:fld>
             <a:endParaRPr lang="zh-TW" altLang="en-US"/>
           </a:p>
@@ -2107,7 +2107,7 @@
           <a:p>
             <a:fld id="{8C104EC5-4177-4530-BBB1-423F98717CDA}" type="datetimeFigureOut">
               <a:rPr lang="zh-TW" altLang="en-US" smtClean="0"/>
-              <a:t>2016/5/17</a:t>
+              <a:t>2016/5/21</a:t>
             </a:fld>
             <a:endParaRPr lang="zh-TW" altLang="en-US"/>
           </a:p>
@@ -2364,7 +2364,7 @@
           <a:p>
             <a:fld id="{8C104EC5-4177-4530-BBB1-423F98717CDA}" type="datetimeFigureOut">
               <a:rPr lang="zh-TW" altLang="en-US" smtClean="0"/>
-              <a:t>2016/5/17</a:t>
+              <a:t>2016/5/21</a:t>
             </a:fld>
             <a:endParaRPr lang="zh-TW" altLang="en-US"/>
           </a:p>
@@ -2577,7 +2577,7 @@
           <a:p>
             <a:fld id="{8C104EC5-4177-4530-BBB1-423F98717CDA}" type="datetimeFigureOut">
               <a:rPr lang="zh-TW" altLang="en-US" smtClean="0"/>
-              <a:t>2016/5/17</a:t>
+              <a:t>2016/5/21</a:t>
             </a:fld>
             <a:endParaRPr lang="zh-TW" altLang="en-US"/>
           </a:p>
@@ -2984,28 +2984,1439 @@
       </p:grpSpPr>
       <p:grpSp>
         <p:nvGrpSpPr>
-          <p:cNvPr id="4" name="群組 3"/>
+          <p:cNvPr id="63" name="群組 62"/>
           <p:cNvGrpSpPr/>
           <p:nvPr/>
         </p:nvGrpSpPr>
         <p:grpSpPr>
           <a:xfrm>
-            <a:off x="794" y="-1197"/>
-            <a:ext cx="3049588" cy="10031022"/>
-            <a:chOff x="1" y="0"/>
-            <a:chExt cx="3049588" cy="10031022"/>
+            <a:off x="585708" y="7728327"/>
+            <a:ext cx="2016282" cy="1426159"/>
+            <a:chOff x="350506" y="4139065"/>
+            <a:chExt cx="2408363" cy="1596222"/>
           </a:xfrm>
         </p:grpSpPr>
         <p:sp>
           <p:nvSpPr>
-            <p:cNvPr id="5" name="矩形 4"/>
+            <p:cNvPr id="64" name="矩形 63"/>
             <p:cNvSpPr/>
             <p:nvPr/>
           </p:nvSpPr>
           <p:spPr>
             <a:xfrm>
-              <a:off x="1" y="0"/>
-              <a:ext cx="3049587" cy="404011"/>
+              <a:off x="350506" y="4139065"/>
+              <a:ext cx="2408363" cy="1596222"/>
+            </a:xfrm>
+            <a:prstGeom prst="rect">
+              <a:avLst/>
+            </a:prstGeom>
+            <a:solidFill>
+              <a:srgbClr val="FFFF00">
+                <a:alpha val="47000"/>
+              </a:srgbClr>
+            </a:solidFill>
+            <a:ln>
+              <a:noFill/>
+            </a:ln>
+            <a:effectLst>
+              <a:softEdge rad="0"/>
+            </a:effectLst>
+          </p:spPr>
+          <p:style>
+            <a:lnRef idx="2">
+              <a:schemeClr val="accent1">
+                <a:shade val="50000"/>
+              </a:schemeClr>
+            </a:lnRef>
+            <a:fillRef idx="1">
+              <a:schemeClr val="accent1"/>
+            </a:fillRef>
+            <a:effectRef idx="0">
+              <a:schemeClr val="accent1"/>
+            </a:effectRef>
+            <a:fontRef idx="minor">
+              <a:schemeClr val="lt1"/>
+            </a:fontRef>
+          </p:style>
+          <p:txBody>
+            <a:bodyPr rtlCol="0" anchor="ctr"/>
+            <a:lstStyle/>
+            <a:p>
+              <a:pPr algn="ctr"/>
+              <a:endParaRPr lang="zh-TW" altLang="en-US"/>
+            </a:p>
+          </p:txBody>
+        </p:sp>
+        <p:sp>
+          <p:nvSpPr>
+            <p:cNvPr id="66" name="文字方塊 65"/>
+            <p:cNvSpPr txBox="1"/>
+            <p:nvPr/>
+          </p:nvSpPr>
+          <p:spPr>
+            <a:xfrm>
+              <a:off x="1735325" y="5448925"/>
+              <a:ext cx="980413" cy="258358"/>
+            </a:xfrm>
+            <a:prstGeom prst="rect">
+              <a:avLst/>
+            </a:prstGeom>
+            <a:noFill/>
+          </p:spPr>
+          <p:txBody>
+            <a:bodyPr wrap="square" rtlCol="0">
+              <a:spAutoFit/>
+            </a:bodyPr>
+            <a:lstStyle/>
+            <a:p>
+              <a:r>
+                <a:rPr lang="zh-TW" altLang="en-US" sz="900" u="sng" dirty="0">
+                  <a:solidFill>
+                    <a:schemeClr val="bg1">
+                      <a:lumMod val="65000"/>
+                    </a:schemeClr>
+                  </a:solidFill>
+                  <a:latin typeface="微軟正黑體" panose="020B0604030504040204" pitchFamily="34" charset="-120"/>
+                  <a:ea typeface="微軟正黑體" panose="020B0604030504040204" pitchFamily="34" charset="-120"/>
+                </a:rPr>
+                <a:t>更多資訊</a:t>
+              </a:r>
+              <a:r>
+                <a:rPr lang="en-US" altLang="zh-TW" sz="900" u="sng" dirty="0">
+                  <a:solidFill>
+                    <a:schemeClr val="bg1">
+                      <a:lumMod val="65000"/>
+                    </a:schemeClr>
+                  </a:solidFill>
+                  <a:latin typeface="微軟正黑體" panose="020B0604030504040204" pitchFamily="34" charset="-120"/>
+                  <a:ea typeface="微軟正黑體" panose="020B0604030504040204" pitchFamily="34" charset="-120"/>
+                </a:rPr>
+                <a:t>…</a:t>
+              </a:r>
+              <a:endParaRPr lang="zh-TW" altLang="en-US" sz="900" u="sng" dirty="0">
+                <a:solidFill>
+                  <a:schemeClr val="bg1">
+                    <a:lumMod val="65000"/>
+                  </a:schemeClr>
+                </a:solidFill>
+                <a:latin typeface="微軟正黑體" panose="020B0604030504040204" pitchFamily="34" charset="-120"/>
+                <a:ea typeface="微軟正黑體" panose="020B0604030504040204" pitchFamily="34" charset="-120"/>
+              </a:endParaRPr>
+            </a:p>
+          </p:txBody>
+        </p:sp>
+      </p:grpSp>
+      <p:sp>
+        <p:nvSpPr>
+          <p:cNvPr id="5" name="矩形 4"/>
+          <p:cNvSpPr/>
+          <p:nvPr/>
+        </p:nvSpPr>
+        <p:spPr>
+          <a:xfrm>
+            <a:off x="794" y="-1197"/>
+            <a:ext cx="3049587" cy="404011"/>
+          </a:xfrm>
+          <a:prstGeom prst="rect">
+            <a:avLst/>
+          </a:prstGeom>
+          <a:solidFill>
+            <a:srgbClr val="242424"/>
+          </a:solidFill>
+          <a:ln>
+            <a:noFill/>
+          </a:ln>
+        </p:spPr>
+        <p:style>
+          <a:lnRef idx="2">
+            <a:schemeClr val="accent1">
+              <a:shade val="50000"/>
+            </a:schemeClr>
+          </a:lnRef>
+          <a:fillRef idx="1">
+            <a:schemeClr val="accent1"/>
+          </a:fillRef>
+          <a:effectRef idx="0">
+            <a:schemeClr val="accent1"/>
+          </a:effectRef>
+          <a:fontRef idx="minor">
+            <a:schemeClr val="lt1"/>
+          </a:fontRef>
+        </p:style>
+        <p:txBody>
+          <a:bodyPr rtlCol="0" anchor="ctr"/>
+          <a:lstStyle/>
+          <a:p>
+            <a:pPr algn="ctr"/>
+            <a:endParaRPr lang="zh-TW" altLang="en-US" dirty="0"/>
+          </a:p>
+        </p:txBody>
+      </p:sp>
+      <p:sp>
+        <p:nvSpPr>
+          <p:cNvPr id="6" name="文字方塊 5"/>
+          <p:cNvSpPr txBox="1"/>
+          <p:nvPr/>
+        </p:nvSpPr>
+        <p:spPr>
+          <a:xfrm>
+            <a:off x="999413" y="54481"/>
+            <a:ext cx="991386" cy="276871"/>
+          </a:xfrm>
+          <a:prstGeom prst="rect">
+            <a:avLst/>
+          </a:prstGeom>
+          <a:noFill/>
+        </p:spPr>
+        <p:txBody>
+          <a:bodyPr wrap="square" rtlCol="0">
+            <a:spAutoFit/>
+          </a:bodyPr>
+          <a:lstStyle/>
+          <a:p>
+            <a:r>
+              <a:rPr lang="en-US" altLang="zh-TW" sz="1199" dirty="0">
+                <a:solidFill>
+                  <a:schemeClr val="bg1"/>
+                </a:solidFill>
+                <a:latin typeface="Segoe UI Black" panose="020B0A02040204020203" pitchFamily="34" charset="0"/>
+                <a:ea typeface="Segoe UI Black" panose="020B0A02040204020203" pitchFamily="34" charset="0"/>
+                <a:cs typeface="Segoe UI Black" panose="020B0A02040204020203" pitchFamily="34" charset="0"/>
+              </a:rPr>
+              <a:t>J’s Bakery</a:t>
+            </a:r>
+            <a:endParaRPr lang="zh-TW" altLang="en-US" sz="1199" dirty="0">
+              <a:solidFill>
+                <a:schemeClr val="bg1"/>
+              </a:solidFill>
+              <a:latin typeface="Segoe UI Black" panose="020B0A02040204020203" pitchFamily="34" charset="0"/>
+              <a:cs typeface="Segoe UI Black" panose="020B0A02040204020203" pitchFamily="34" charset="0"/>
+            </a:endParaRPr>
+          </a:p>
+        </p:txBody>
+      </p:sp>
+      <p:pic>
+        <p:nvPicPr>
+          <p:cNvPr id="7" name="圖片 6"/>
+          <p:cNvPicPr>
+            <a:picLocks noChangeAspect="1"/>
+          </p:cNvPicPr>
+          <p:nvPr/>
+        </p:nvPicPr>
+        <p:blipFill rotWithShape="1">
+          <a:blip r:embed="rId2" cstate="print">
+            <a:extLst>
+              <a:ext uri="{28A0092B-C50C-407E-A947-70E740481C1C}">
+                <a14:useLocalDpi xmlns:a14="http://schemas.microsoft.com/office/drawing/2010/main" val="0"/>
+              </a:ext>
+            </a:extLst>
+          </a:blip>
+          <a:srcRect l="19956" t="11861" r="3251" b="11346"/>
+          <a:stretch/>
+        </p:blipFill>
+        <p:spPr>
+          <a:xfrm>
+            <a:off x="794" y="399861"/>
+            <a:ext cx="3049587" cy="1184099"/>
+          </a:xfrm>
+          <a:prstGeom prst="rect">
+            <a:avLst/>
+          </a:prstGeom>
+        </p:spPr>
+      </p:pic>
+      <p:sp>
+        <p:nvSpPr>
+          <p:cNvPr id="8" name="矩形 7"/>
+          <p:cNvSpPr/>
+          <p:nvPr/>
+        </p:nvSpPr>
+        <p:spPr>
+          <a:xfrm>
+            <a:off x="794" y="399861"/>
+            <a:ext cx="3049587" cy="1184099"/>
+          </a:xfrm>
+          <a:prstGeom prst="rect">
+            <a:avLst/>
+          </a:prstGeom>
+          <a:gradFill>
+            <a:gsLst>
+              <a:gs pos="100000">
+                <a:schemeClr val="accent1">
+                  <a:lumMod val="5000"/>
+                  <a:lumOff val="95000"/>
+                  <a:alpha val="14000"/>
+                </a:schemeClr>
+              </a:gs>
+              <a:gs pos="0">
+                <a:schemeClr val="tx1">
+                  <a:lumMod val="95000"/>
+                  <a:lumOff val="5000"/>
+                  <a:alpha val="40000"/>
+                </a:schemeClr>
+              </a:gs>
+            </a:gsLst>
+            <a:lin ang="5400000" scaled="1"/>
+          </a:gradFill>
+          <a:ln>
+            <a:noFill/>
+          </a:ln>
+        </p:spPr>
+        <p:style>
+          <a:lnRef idx="2">
+            <a:schemeClr val="accent1">
+              <a:shade val="50000"/>
+            </a:schemeClr>
+          </a:lnRef>
+          <a:fillRef idx="1">
+            <a:schemeClr val="accent1"/>
+          </a:fillRef>
+          <a:effectRef idx="0">
+            <a:schemeClr val="accent1"/>
+          </a:effectRef>
+          <a:fontRef idx="minor">
+            <a:schemeClr val="lt1"/>
+          </a:fontRef>
+        </p:style>
+        <p:txBody>
+          <a:bodyPr rtlCol="0" anchor="ctr"/>
+          <a:lstStyle/>
+          <a:p>
+            <a:pPr algn="ctr"/>
+            <a:endParaRPr lang="zh-TW" altLang="en-US"/>
+          </a:p>
+        </p:txBody>
+      </p:sp>
+      <p:pic>
+        <p:nvPicPr>
+          <p:cNvPr id="9" name="圖片 8"/>
+          <p:cNvPicPr>
+            <a:picLocks noChangeAspect="1"/>
+          </p:cNvPicPr>
+          <p:nvPr/>
+        </p:nvPicPr>
+        <p:blipFill>
+          <a:blip r:embed="rId3" cstate="print">
+            <a:extLst>
+              <a:ext uri="{28A0092B-C50C-407E-A947-70E740481C1C}">
+                <a14:useLocalDpi xmlns:a14="http://schemas.microsoft.com/office/drawing/2010/main" val="0"/>
+              </a:ext>
+            </a:extLst>
+          </a:blip>
+          <a:stretch>
+            <a:fillRect/>
+          </a:stretch>
+        </p:blipFill>
+        <p:spPr>
+          <a:xfrm>
+            <a:off x="2763740" y="923364"/>
+            <a:ext cx="179970" cy="179970"/>
+          </a:xfrm>
+          <a:prstGeom prst="rect">
+            <a:avLst/>
+          </a:prstGeom>
+          <a:noFill/>
+        </p:spPr>
+      </p:pic>
+      <p:pic>
+        <p:nvPicPr>
+          <p:cNvPr id="10" name="圖片 9"/>
+          <p:cNvPicPr>
+            <a:picLocks noChangeAspect="1"/>
+          </p:cNvPicPr>
+          <p:nvPr/>
+        </p:nvPicPr>
+        <p:blipFill>
+          <a:blip r:embed="rId4" cstate="print">
+            <a:extLst>
+              <a:ext uri="{28A0092B-C50C-407E-A947-70E740481C1C}">
+                <a14:useLocalDpi xmlns:a14="http://schemas.microsoft.com/office/drawing/2010/main" val="0"/>
+              </a:ext>
+            </a:extLst>
+          </a:blip>
+          <a:stretch>
+            <a:fillRect/>
+          </a:stretch>
+        </p:blipFill>
+        <p:spPr>
+          <a:xfrm>
+            <a:off x="70131" y="923364"/>
+            <a:ext cx="179970" cy="179970"/>
+          </a:xfrm>
+          <a:prstGeom prst="rect">
+            <a:avLst/>
+          </a:prstGeom>
+          <a:noFill/>
+        </p:spPr>
+      </p:pic>
+      <p:sp>
+        <p:nvSpPr>
+          <p:cNvPr id="11" name="文字方塊 10"/>
+          <p:cNvSpPr txBox="1"/>
+          <p:nvPr/>
+        </p:nvSpPr>
+        <p:spPr>
+          <a:xfrm>
+            <a:off x="786764" y="3706393"/>
+            <a:ext cx="660044" cy="230832"/>
+          </a:xfrm>
+          <a:prstGeom prst="rect">
+            <a:avLst/>
+          </a:prstGeom>
+          <a:noFill/>
+        </p:spPr>
+        <p:txBody>
+          <a:bodyPr wrap="square" rtlCol="0">
+            <a:spAutoFit/>
+          </a:bodyPr>
+          <a:lstStyle/>
+          <a:p>
+            <a:r>
+              <a:rPr lang="zh-TW" altLang="en-US" sz="900" b="1" dirty="0">
+                <a:solidFill>
+                  <a:schemeClr val="tx1">
+                    <a:lumMod val="75000"/>
+                    <a:lumOff val="25000"/>
+                  </a:schemeClr>
+                </a:solidFill>
+                <a:latin typeface="微軟正黑體" panose="020B0604030504040204" pitchFamily="34" charset="-120"/>
+                <a:ea typeface="微軟正黑體" panose="020B0604030504040204" pitchFamily="34" charset="-120"/>
+              </a:rPr>
+              <a:t>館長推薦</a:t>
+            </a:r>
+          </a:p>
+        </p:txBody>
+      </p:sp>
+      <p:cxnSp>
+        <p:nvCxnSpPr>
+          <p:cNvPr id="12" name="直線接點 11"/>
+          <p:cNvCxnSpPr/>
+          <p:nvPr/>
+        </p:nvCxnSpPr>
+        <p:spPr>
+          <a:xfrm flipH="1">
+            <a:off x="603607" y="3936627"/>
+            <a:ext cx="2028422" cy="0"/>
+          </a:xfrm>
+          <a:prstGeom prst="line">
+            <a:avLst/>
+          </a:prstGeom>
+          <a:ln>
+            <a:solidFill>
+              <a:schemeClr val="bg1">
+                <a:lumMod val="85000"/>
+              </a:schemeClr>
+            </a:solidFill>
+          </a:ln>
+        </p:spPr>
+        <p:style>
+          <a:lnRef idx="1">
+            <a:schemeClr val="accent1"/>
+          </a:lnRef>
+          <a:fillRef idx="0">
+            <a:schemeClr val="accent1"/>
+          </a:fillRef>
+          <a:effectRef idx="0">
+            <a:schemeClr val="accent1"/>
+          </a:effectRef>
+          <a:fontRef idx="minor">
+            <a:schemeClr val="tx1"/>
+          </a:fontRef>
+        </p:style>
+      </p:cxnSp>
+      <p:grpSp>
+        <p:nvGrpSpPr>
+          <p:cNvPr id="13" name="群組 12"/>
+          <p:cNvGrpSpPr/>
+          <p:nvPr/>
+        </p:nvGrpSpPr>
+        <p:grpSpPr>
+          <a:xfrm>
+            <a:off x="2707296" y="98136"/>
+            <a:ext cx="236417" cy="236417"/>
+            <a:chOff x="2757493" y="84267"/>
+            <a:chExt cx="236417" cy="236417"/>
+          </a:xfrm>
+        </p:grpSpPr>
+        <p:sp>
+          <p:nvSpPr>
+            <p:cNvPr id="53" name="橢圓 52"/>
+            <p:cNvSpPr/>
+            <p:nvPr/>
+          </p:nvSpPr>
+          <p:spPr>
+            <a:xfrm>
+              <a:off x="2757493" y="84267"/>
+              <a:ext cx="236417" cy="236417"/>
+            </a:xfrm>
+            <a:prstGeom prst="ellipse">
+              <a:avLst/>
+            </a:prstGeom>
+            <a:solidFill>
+              <a:srgbClr val="E0773C"/>
+            </a:solidFill>
+            <a:ln>
+              <a:noFill/>
+            </a:ln>
+          </p:spPr>
+          <p:style>
+            <a:lnRef idx="2">
+              <a:schemeClr val="accent1">
+                <a:shade val="50000"/>
+              </a:schemeClr>
+            </a:lnRef>
+            <a:fillRef idx="1">
+              <a:schemeClr val="accent1"/>
+            </a:fillRef>
+            <a:effectRef idx="0">
+              <a:schemeClr val="accent1"/>
+            </a:effectRef>
+            <a:fontRef idx="minor">
+              <a:schemeClr val="lt1"/>
+            </a:fontRef>
+          </p:style>
+          <p:txBody>
+            <a:bodyPr rtlCol="0" anchor="ctr"/>
+            <a:lstStyle/>
+            <a:p>
+              <a:pPr algn="ctr"/>
+              <a:endParaRPr lang="zh-TW" altLang="en-US"/>
+            </a:p>
+          </p:txBody>
+        </p:sp>
+        <p:grpSp>
+          <p:nvGrpSpPr>
+            <p:cNvPr id="54" name="群組 53"/>
+            <p:cNvGrpSpPr/>
+            <p:nvPr/>
+          </p:nvGrpSpPr>
+          <p:grpSpPr>
+            <a:xfrm>
+              <a:off x="2809066" y="152499"/>
+              <a:ext cx="133271" cy="99953"/>
+              <a:chOff x="2700773" y="169891"/>
+              <a:chExt cx="194569" cy="145076"/>
+            </a:xfrm>
+          </p:grpSpPr>
+          <p:sp>
+            <p:nvSpPr>
+              <p:cNvPr id="55" name="矩形 54"/>
+              <p:cNvSpPr/>
+              <p:nvPr/>
+            </p:nvSpPr>
+            <p:spPr>
+              <a:xfrm>
+                <a:off x="2700773" y="169891"/>
+                <a:ext cx="194569" cy="21619"/>
+              </a:xfrm>
+              <a:prstGeom prst="rect">
+                <a:avLst/>
+              </a:prstGeom>
+              <a:solidFill>
+                <a:schemeClr val="bg1"/>
+              </a:solidFill>
+              <a:ln>
+                <a:noFill/>
+              </a:ln>
+            </p:spPr>
+            <p:style>
+              <a:lnRef idx="2">
+                <a:schemeClr val="accent1">
+                  <a:shade val="50000"/>
+                </a:schemeClr>
+              </a:lnRef>
+              <a:fillRef idx="1">
+                <a:schemeClr val="accent1"/>
+              </a:fillRef>
+              <a:effectRef idx="0">
+                <a:schemeClr val="accent1"/>
+              </a:effectRef>
+              <a:fontRef idx="minor">
+                <a:schemeClr val="lt1"/>
+              </a:fontRef>
+            </p:style>
+            <p:txBody>
+              <a:bodyPr rtlCol="0" anchor="ctr"/>
+              <a:lstStyle/>
+              <a:p>
+                <a:pPr algn="ctr"/>
+                <a:endParaRPr lang="zh-TW" altLang="en-US"/>
+              </a:p>
+            </p:txBody>
+          </p:sp>
+          <p:sp>
+            <p:nvSpPr>
+              <p:cNvPr id="56" name="矩形 55"/>
+              <p:cNvSpPr/>
+              <p:nvPr/>
+            </p:nvSpPr>
+            <p:spPr>
+              <a:xfrm>
+                <a:off x="2700773" y="231620"/>
+                <a:ext cx="194569" cy="21619"/>
+              </a:xfrm>
+              <a:prstGeom prst="rect">
+                <a:avLst/>
+              </a:prstGeom>
+              <a:solidFill>
+                <a:schemeClr val="bg1"/>
+              </a:solidFill>
+              <a:ln>
+                <a:noFill/>
+              </a:ln>
+            </p:spPr>
+            <p:style>
+              <a:lnRef idx="2">
+                <a:schemeClr val="accent1">
+                  <a:shade val="50000"/>
+                </a:schemeClr>
+              </a:lnRef>
+              <a:fillRef idx="1">
+                <a:schemeClr val="accent1"/>
+              </a:fillRef>
+              <a:effectRef idx="0">
+                <a:schemeClr val="accent1"/>
+              </a:effectRef>
+              <a:fontRef idx="minor">
+                <a:schemeClr val="lt1"/>
+              </a:fontRef>
+            </p:style>
+            <p:txBody>
+              <a:bodyPr rtlCol="0" anchor="ctr"/>
+              <a:lstStyle/>
+              <a:p>
+                <a:pPr algn="ctr"/>
+                <a:endParaRPr lang="zh-TW" altLang="en-US"/>
+              </a:p>
+            </p:txBody>
+          </p:sp>
+          <p:sp>
+            <p:nvSpPr>
+              <p:cNvPr id="57" name="矩形 56"/>
+              <p:cNvSpPr/>
+              <p:nvPr/>
+            </p:nvSpPr>
+            <p:spPr>
+              <a:xfrm>
+                <a:off x="2700773" y="293348"/>
+                <a:ext cx="194569" cy="21619"/>
+              </a:xfrm>
+              <a:prstGeom prst="rect">
+                <a:avLst/>
+              </a:prstGeom>
+              <a:solidFill>
+                <a:schemeClr val="bg1"/>
+              </a:solidFill>
+              <a:ln>
+                <a:noFill/>
+              </a:ln>
+            </p:spPr>
+            <p:style>
+              <a:lnRef idx="2">
+                <a:schemeClr val="accent1">
+                  <a:shade val="50000"/>
+                </a:schemeClr>
+              </a:lnRef>
+              <a:fillRef idx="1">
+                <a:schemeClr val="accent1"/>
+              </a:fillRef>
+              <a:effectRef idx="0">
+                <a:schemeClr val="accent1"/>
+              </a:effectRef>
+              <a:fontRef idx="minor">
+                <a:schemeClr val="lt1"/>
+              </a:fontRef>
+            </p:style>
+            <p:txBody>
+              <a:bodyPr rtlCol="0" anchor="ctr"/>
+              <a:lstStyle/>
+              <a:p>
+                <a:pPr algn="ctr"/>
+                <a:endParaRPr lang="zh-TW" altLang="en-US"/>
+              </a:p>
+            </p:txBody>
+          </p:sp>
+        </p:grpSp>
+      </p:grpSp>
+      <p:sp>
+        <p:nvSpPr>
+          <p:cNvPr id="14" name="文字方塊 13"/>
+          <p:cNvSpPr txBox="1"/>
+          <p:nvPr/>
+        </p:nvSpPr>
+        <p:spPr>
+          <a:xfrm>
+            <a:off x="786764" y="2166659"/>
+            <a:ext cx="660044" cy="230832"/>
+          </a:xfrm>
+          <a:prstGeom prst="rect">
+            <a:avLst/>
+          </a:prstGeom>
+          <a:noFill/>
+        </p:spPr>
+        <p:txBody>
+          <a:bodyPr wrap="square" rtlCol="0">
+            <a:spAutoFit/>
+          </a:bodyPr>
+          <a:lstStyle/>
+          <a:p>
+            <a:r>
+              <a:rPr lang="zh-TW" altLang="en-US" sz="900" b="1" dirty="0">
+                <a:solidFill>
+                  <a:schemeClr val="tx1">
+                    <a:lumMod val="75000"/>
+                    <a:lumOff val="25000"/>
+                  </a:schemeClr>
+                </a:solidFill>
+                <a:latin typeface="微軟正黑體" panose="020B0604030504040204" pitchFamily="34" charset="-120"/>
+                <a:ea typeface="微軟正黑體" panose="020B0604030504040204" pitchFamily="34" charset="-120"/>
+              </a:rPr>
+              <a:t>最新消息</a:t>
+            </a:r>
+          </a:p>
+        </p:txBody>
+      </p:sp>
+      <p:cxnSp>
+        <p:nvCxnSpPr>
+          <p:cNvPr id="15" name="直線接點 14"/>
+          <p:cNvCxnSpPr/>
+          <p:nvPr/>
+        </p:nvCxnSpPr>
+        <p:spPr>
+          <a:xfrm flipH="1">
+            <a:off x="603952" y="2373356"/>
+            <a:ext cx="2028422" cy="0"/>
+          </a:xfrm>
+          <a:prstGeom prst="line">
+            <a:avLst/>
+          </a:prstGeom>
+          <a:ln>
+            <a:solidFill>
+              <a:schemeClr val="bg1">
+                <a:lumMod val="85000"/>
+              </a:schemeClr>
+            </a:solidFill>
+          </a:ln>
+        </p:spPr>
+        <p:style>
+          <a:lnRef idx="1">
+            <a:schemeClr val="accent1"/>
+          </a:lnRef>
+          <a:fillRef idx="0">
+            <a:schemeClr val="accent1"/>
+          </a:fillRef>
+          <a:effectRef idx="0">
+            <a:schemeClr val="accent1"/>
+          </a:effectRef>
+          <a:fontRef idx="minor">
+            <a:schemeClr val="tx1"/>
+          </a:fontRef>
+        </p:style>
+      </p:cxnSp>
+      <p:grpSp>
+        <p:nvGrpSpPr>
+          <p:cNvPr id="16" name="群組 15"/>
+          <p:cNvGrpSpPr/>
+          <p:nvPr/>
+        </p:nvGrpSpPr>
+        <p:grpSpPr>
+          <a:xfrm>
+            <a:off x="603954" y="2456523"/>
+            <a:ext cx="2005561" cy="221540"/>
+            <a:chOff x="450761" y="3425470"/>
+            <a:chExt cx="2005561" cy="221540"/>
+          </a:xfrm>
+        </p:grpSpPr>
+        <p:grpSp>
+          <p:nvGrpSpPr>
+            <p:cNvPr id="49" name="群組 48"/>
+            <p:cNvGrpSpPr/>
+            <p:nvPr/>
+          </p:nvGrpSpPr>
+          <p:grpSpPr>
+            <a:xfrm>
+              <a:off x="450761" y="3425470"/>
+              <a:ext cx="1421702" cy="215572"/>
+              <a:chOff x="450761" y="3425470"/>
+              <a:chExt cx="1421702" cy="215572"/>
+            </a:xfrm>
+          </p:grpSpPr>
+          <p:pic>
+            <p:nvPicPr>
+              <p:cNvPr id="51" name="圖片 50"/>
+              <p:cNvPicPr>
+                <a:picLocks noChangeAspect="1"/>
+              </p:cNvPicPr>
+              <p:nvPr/>
+            </p:nvPicPr>
+            <p:blipFill>
+              <a:blip r:embed="rId5" cstate="print">
+                <a:extLst>
+                  <a:ext uri="{28A0092B-C50C-407E-A947-70E740481C1C}">
+                    <a14:useLocalDpi xmlns:a14="http://schemas.microsoft.com/office/drawing/2010/main" val="0"/>
+                  </a:ext>
+                </a:extLst>
+              </a:blip>
+              <a:stretch>
+                <a:fillRect/>
+              </a:stretch>
+            </p:blipFill>
+            <p:spPr>
+              <a:xfrm>
+                <a:off x="450761" y="3495682"/>
+                <a:ext cx="75020" cy="75020"/>
+              </a:xfrm>
+              <a:prstGeom prst="rect">
+                <a:avLst/>
+              </a:prstGeom>
+            </p:spPr>
+          </p:pic>
+          <p:sp>
+            <p:nvSpPr>
+              <p:cNvPr id="52" name="文字方塊 51"/>
+              <p:cNvSpPr txBox="1"/>
+              <p:nvPr/>
+            </p:nvSpPr>
+            <p:spPr>
+              <a:xfrm>
+                <a:off x="487147" y="3425470"/>
+                <a:ext cx="1385316" cy="215572"/>
+              </a:xfrm>
+              <a:prstGeom prst="rect">
+                <a:avLst/>
+              </a:prstGeom>
+              <a:noFill/>
+            </p:spPr>
+            <p:txBody>
+              <a:bodyPr wrap="none" rtlCol="0">
+                <a:spAutoFit/>
+              </a:bodyPr>
+              <a:lstStyle/>
+              <a:p>
+                <a:r>
+                  <a:rPr lang="zh-TW" altLang="en-US" sz="801" dirty="0">
+                    <a:solidFill>
+                      <a:schemeClr val="bg2">
+                        <a:lumMod val="10000"/>
+                      </a:schemeClr>
+                    </a:solidFill>
+                    <a:latin typeface="微軟正黑體 Light" panose="020B0304030504040204" pitchFamily="34" charset="-120"/>
+                    <a:ea typeface="微軟正黑體 Light" panose="020B0304030504040204" pitchFamily="34" charset="-120"/>
+                  </a:rPr>
+                  <a:t>最新出爐</a:t>
+                </a:r>
+                <a:r>
+                  <a:rPr lang="en-US" altLang="zh-TW" sz="801" dirty="0">
+                    <a:solidFill>
+                      <a:schemeClr val="bg2">
+                        <a:lumMod val="10000"/>
+                      </a:schemeClr>
+                    </a:solidFill>
+                    <a:latin typeface="微軟正黑體 Light" panose="020B0304030504040204" pitchFamily="34" charset="-120"/>
+                    <a:ea typeface="微軟正黑體 Light" panose="020B0304030504040204" pitchFamily="34" charset="-120"/>
+                  </a:rPr>
+                  <a:t>~</a:t>
+                </a:r>
+                <a:r>
+                  <a:rPr lang="zh-TW" altLang="en-US" sz="801" dirty="0">
+                    <a:solidFill>
+                      <a:schemeClr val="bg2">
+                        <a:lumMod val="10000"/>
+                      </a:schemeClr>
+                    </a:solidFill>
+                    <a:latin typeface="微軟正黑體 Light" panose="020B0304030504040204" pitchFamily="34" charset="-120"/>
+                    <a:ea typeface="微軟正黑體 Light" panose="020B0304030504040204" pitchFamily="34" charset="-120"/>
+                  </a:rPr>
+                  <a:t>紅茶口味瑪德蓮</a:t>
+                </a:r>
+              </a:p>
+            </p:txBody>
+          </p:sp>
+        </p:grpSp>
+        <p:cxnSp>
+          <p:nvCxnSpPr>
+            <p:cNvPr id="50" name="直線接點 49"/>
+            <p:cNvCxnSpPr/>
+            <p:nvPr/>
+          </p:nvCxnSpPr>
+          <p:spPr>
+            <a:xfrm flipH="1">
+              <a:off x="464288" y="3647010"/>
+              <a:ext cx="1992034" cy="0"/>
+            </a:xfrm>
+            <a:prstGeom prst="line">
+              <a:avLst/>
+            </a:prstGeom>
+            <a:ln w="6350">
+              <a:solidFill>
+                <a:schemeClr val="bg1">
+                  <a:lumMod val="75000"/>
+                </a:schemeClr>
+              </a:solidFill>
+              <a:prstDash val="sysDot"/>
+            </a:ln>
+          </p:spPr>
+          <p:style>
+            <a:lnRef idx="1">
+              <a:schemeClr val="accent1"/>
+            </a:lnRef>
+            <a:fillRef idx="0">
+              <a:schemeClr val="accent1"/>
+            </a:fillRef>
+            <a:effectRef idx="0">
+              <a:schemeClr val="accent1"/>
+            </a:effectRef>
+            <a:fontRef idx="minor">
+              <a:schemeClr val="tx1"/>
+            </a:fontRef>
+          </p:style>
+        </p:cxnSp>
+      </p:grpSp>
+      <p:grpSp>
+        <p:nvGrpSpPr>
+          <p:cNvPr id="17" name="群組 16"/>
+          <p:cNvGrpSpPr/>
+          <p:nvPr/>
+        </p:nvGrpSpPr>
+        <p:grpSpPr>
+          <a:xfrm>
+            <a:off x="603952" y="2684931"/>
+            <a:ext cx="2005560" cy="221540"/>
+            <a:chOff x="450761" y="3425470"/>
+            <a:chExt cx="2005561" cy="221540"/>
+          </a:xfrm>
+        </p:grpSpPr>
+        <p:grpSp>
+          <p:nvGrpSpPr>
+            <p:cNvPr id="45" name="群組 44"/>
+            <p:cNvGrpSpPr/>
+            <p:nvPr/>
+          </p:nvGrpSpPr>
+          <p:grpSpPr>
+            <a:xfrm>
+              <a:off x="450761" y="3425470"/>
+              <a:ext cx="1453762" cy="215572"/>
+              <a:chOff x="450761" y="3425470"/>
+              <a:chExt cx="1453762" cy="215572"/>
+            </a:xfrm>
+          </p:grpSpPr>
+          <p:pic>
+            <p:nvPicPr>
+              <p:cNvPr id="47" name="圖片 46"/>
+              <p:cNvPicPr>
+                <a:picLocks noChangeAspect="1"/>
+              </p:cNvPicPr>
+              <p:nvPr/>
+            </p:nvPicPr>
+            <p:blipFill>
+              <a:blip r:embed="rId5" cstate="print">
+                <a:extLst>
+                  <a:ext uri="{28A0092B-C50C-407E-A947-70E740481C1C}">
+                    <a14:useLocalDpi xmlns:a14="http://schemas.microsoft.com/office/drawing/2010/main" val="0"/>
+                  </a:ext>
+                </a:extLst>
+              </a:blip>
+              <a:stretch>
+                <a:fillRect/>
+              </a:stretch>
+            </p:blipFill>
+            <p:spPr>
+              <a:xfrm>
+                <a:off x="450761" y="3495682"/>
+                <a:ext cx="75020" cy="75020"/>
+              </a:xfrm>
+              <a:prstGeom prst="rect">
+                <a:avLst/>
+              </a:prstGeom>
+            </p:spPr>
+          </p:pic>
+          <p:sp>
+            <p:nvSpPr>
+              <p:cNvPr id="48" name="文字方塊 47"/>
+              <p:cNvSpPr txBox="1"/>
+              <p:nvPr/>
+            </p:nvSpPr>
+            <p:spPr>
+              <a:xfrm>
+                <a:off x="487147" y="3425470"/>
+                <a:ext cx="1417376" cy="215572"/>
+              </a:xfrm>
+              <a:prstGeom prst="rect">
+                <a:avLst/>
+              </a:prstGeom>
+              <a:noFill/>
+            </p:spPr>
+            <p:txBody>
+              <a:bodyPr wrap="none" rtlCol="0">
+                <a:spAutoFit/>
+              </a:bodyPr>
+              <a:lstStyle/>
+              <a:p>
+                <a:r>
+                  <a:rPr lang="zh-TW" altLang="en-US" sz="801" dirty="0">
+                    <a:solidFill>
+                      <a:schemeClr val="bg2">
+                        <a:lumMod val="10000"/>
+                      </a:schemeClr>
+                    </a:solidFill>
+                    <a:latin typeface="微軟正黑體 Light" panose="020B0304030504040204" pitchFamily="34" charset="-120"/>
+                    <a:ea typeface="微軟正黑體 Light" panose="020B0304030504040204" pitchFamily="34" charset="-120"/>
+                  </a:rPr>
+                  <a:t>期待已久</a:t>
+                </a:r>
+                <a:r>
+                  <a:rPr lang="en-US" altLang="zh-TW" sz="801" dirty="0">
+                    <a:solidFill>
+                      <a:schemeClr val="bg2">
+                        <a:lumMod val="10000"/>
+                      </a:schemeClr>
+                    </a:solidFill>
+                    <a:latin typeface="微軟正黑體 Light" panose="020B0304030504040204" pitchFamily="34" charset="-120"/>
+                    <a:ea typeface="微軟正黑體 Light" panose="020B0304030504040204" pitchFamily="34" charset="-120"/>
+                  </a:rPr>
+                  <a:t>~</a:t>
+                </a:r>
+                <a:r>
+                  <a:rPr lang="zh-TW" altLang="en-US" sz="801" dirty="0">
+                    <a:solidFill>
+                      <a:schemeClr val="bg2">
+                        <a:lumMod val="10000"/>
+                      </a:schemeClr>
+                    </a:solidFill>
+                    <a:latin typeface="微軟正黑體 Light" panose="020B0304030504040204" pitchFamily="34" charset="-120"/>
+                    <a:ea typeface="微軟正黑體 Light" panose="020B0304030504040204" pitchFamily="34" charset="-120"/>
+                  </a:rPr>
+                  <a:t>板橋新店開張了</a:t>
+                </a:r>
+                <a:r>
+                  <a:rPr lang="en-US" altLang="zh-TW" sz="801" dirty="0">
+                    <a:solidFill>
+                      <a:schemeClr val="bg2">
+                        <a:lumMod val="10000"/>
+                      </a:schemeClr>
+                    </a:solidFill>
+                    <a:latin typeface="微軟正黑體 Light" panose="020B0304030504040204" pitchFamily="34" charset="-120"/>
+                    <a:ea typeface="微軟正黑體 Light" panose="020B0304030504040204" pitchFamily="34" charset="-120"/>
+                  </a:rPr>
+                  <a:t>!</a:t>
+                </a:r>
+                <a:endParaRPr lang="zh-TW" altLang="en-US" sz="801" dirty="0">
+                  <a:solidFill>
+                    <a:schemeClr val="bg2">
+                      <a:lumMod val="10000"/>
+                    </a:schemeClr>
+                  </a:solidFill>
+                  <a:latin typeface="微軟正黑體 Light" panose="020B0304030504040204" pitchFamily="34" charset="-120"/>
+                  <a:ea typeface="微軟正黑體 Light" panose="020B0304030504040204" pitchFamily="34" charset="-120"/>
+                </a:endParaRPr>
+              </a:p>
+            </p:txBody>
+          </p:sp>
+        </p:grpSp>
+        <p:cxnSp>
+          <p:nvCxnSpPr>
+            <p:cNvPr id="46" name="直線接點 45"/>
+            <p:cNvCxnSpPr/>
+            <p:nvPr/>
+          </p:nvCxnSpPr>
+          <p:spPr>
+            <a:xfrm flipH="1">
+              <a:off x="464288" y="3647010"/>
+              <a:ext cx="1992034" cy="0"/>
+            </a:xfrm>
+            <a:prstGeom prst="line">
+              <a:avLst/>
+            </a:prstGeom>
+            <a:ln w="6350">
+              <a:solidFill>
+                <a:schemeClr val="bg1">
+                  <a:lumMod val="75000"/>
+                </a:schemeClr>
+              </a:solidFill>
+              <a:prstDash val="sysDot"/>
+            </a:ln>
+          </p:spPr>
+          <p:style>
+            <a:lnRef idx="1">
+              <a:schemeClr val="accent1"/>
+            </a:lnRef>
+            <a:fillRef idx="0">
+              <a:schemeClr val="accent1"/>
+            </a:fillRef>
+            <a:effectRef idx="0">
+              <a:schemeClr val="accent1"/>
+            </a:effectRef>
+            <a:fontRef idx="minor">
+              <a:schemeClr val="tx1"/>
+            </a:fontRef>
+          </p:style>
+        </p:cxnSp>
+      </p:grpSp>
+      <p:grpSp>
+        <p:nvGrpSpPr>
+          <p:cNvPr id="18" name="群組 17"/>
+          <p:cNvGrpSpPr/>
+          <p:nvPr/>
+        </p:nvGrpSpPr>
+        <p:grpSpPr>
+          <a:xfrm>
+            <a:off x="603952" y="2912568"/>
+            <a:ext cx="2005560" cy="221540"/>
+            <a:chOff x="450761" y="3425470"/>
+            <a:chExt cx="2005561" cy="221540"/>
+          </a:xfrm>
+        </p:grpSpPr>
+        <p:grpSp>
+          <p:nvGrpSpPr>
+            <p:cNvPr id="41" name="群組 40"/>
+            <p:cNvGrpSpPr/>
+            <p:nvPr/>
+          </p:nvGrpSpPr>
+          <p:grpSpPr>
+            <a:xfrm>
+              <a:off x="450761" y="3425470"/>
+              <a:ext cx="1649328" cy="215572"/>
+              <a:chOff x="450761" y="3425470"/>
+              <a:chExt cx="1649328" cy="215572"/>
+            </a:xfrm>
+          </p:grpSpPr>
+          <p:pic>
+            <p:nvPicPr>
+              <p:cNvPr id="43" name="圖片 42"/>
+              <p:cNvPicPr>
+                <a:picLocks noChangeAspect="1"/>
+              </p:cNvPicPr>
+              <p:nvPr/>
+            </p:nvPicPr>
+            <p:blipFill>
+              <a:blip r:embed="rId5" cstate="print">
+                <a:extLst>
+                  <a:ext uri="{28A0092B-C50C-407E-A947-70E740481C1C}">
+                    <a14:useLocalDpi xmlns:a14="http://schemas.microsoft.com/office/drawing/2010/main" val="0"/>
+                  </a:ext>
+                </a:extLst>
+              </a:blip>
+              <a:stretch>
+                <a:fillRect/>
+              </a:stretch>
+            </p:blipFill>
+            <p:spPr>
+              <a:xfrm>
+                <a:off x="450761" y="3495682"/>
+                <a:ext cx="75020" cy="75020"/>
+              </a:xfrm>
+              <a:prstGeom prst="rect">
+                <a:avLst/>
+              </a:prstGeom>
+            </p:spPr>
+          </p:pic>
+          <p:sp>
+            <p:nvSpPr>
+              <p:cNvPr id="44" name="文字方塊 43"/>
+              <p:cNvSpPr txBox="1"/>
+              <p:nvPr/>
+            </p:nvSpPr>
+            <p:spPr>
+              <a:xfrm>
+                <a:off x="487147" y="3425470"/>
+                <a:ext cx="1612942" cy="215572"/>
+              </a:xfrm>
+              <a:prstGeom prst="rect">
+                <a:avLst/>
+              </a:prstGeom>
+              <a:noFill/>
+            </p:spPr>
+            <p:txBody>
+              <a:bodyPr wrap="none" rtlCol="0">
+                <a:spAutoFit/>
+              </a:bodyPr>
+              <a:lstStyle/>
+              <a:p>
+                <a:r>
+                  <a:rPr lang="en-US" altLang="zh-TW" sz="801" dirty="0">
+                    <a:solidFill>
+                      <a:schemeClr val="bg2">
+                        <a:lumMod val="10000"/>
+                      </a:schemeClr>
+                    </a:solidFill>
+                    <a:latin typeface="微軟正黑體 Light" panose="020B0304030504040204" pitchFamily="34" charset="-120"/>
+                    <a:ea typeface="微軟正黑體 Light" panose="020B0304030504040204" pitchFamily="34" charset="-120"/>
+                  </a:rPr>
+                  <a:t>[</a:t>
+                </a:r>
+                <a:r>
+                  <a:rPr lang="zh-TW" altLang="en-US" sz="801" dirty="0">
+                    <a:solidFill>
+                      <a:schemeClr val="bg2">
+                        <a:lumMod val="10000"/>
+                      </a:schemeClr>
+                    </a:solidFill>
+                    <a:latin typeface="微軟正黑體 Light" panose="020B0304030504040204" pitchFamily="34" charset="-120"/>
+                    <a:ea typeface="微軟正黑體 Light" panose="020B0304030504040204" pitchFamily="34" charset="-120"/>
+                  </a:rPr>
+                  <a:t>季節限定</a:t>
+                </a:r>
+                <a:r>
+                  <a:rPr lang="en-US" altLang="zh-TW" sz="801" dirty="0">
+                    <a:solidFill>
+                      <a:schemeClr val="bg2">
+                        <a:lumMod val="10000"/>
+                      </a:schemeClr>
+                    </a:solidFill>
+                    <a:latin typeface="微軟正黑體 Light" panose="020B0304030504040204" pitchFamily="34" charset="-120"/>
+                    <a:ea typeface="微軟正黑體 Light" panose="020B0304030504040204" pitchFamily="34" charset="-120"/>
+                  </a:rPr>
+                  <a:t>]</a:t>
+                </a:r>
+                <a:r>
+                  <a:rPr lang="zh-TW" altLang="en-US" sz="801" dirty="0">
+                    <a:solidFill>
+                      <a:schemeClr val="bg2">
+                        <a:lumMod val="10000"/>
+                      </a:schemeClr>
+                    </a:solidFill>
+                    <a:latin typeface="微軟正黑體 Light" panose="020B0304030504040204" pitchFamily="34" charset="-120"/>
+                    <a:ea typeface="微軟正黑體 Light" panose="020B0304030504040204" pitchFamily="34" charset="-120"/>
+                  </a:rPr>
+                  <a:t> 超浮誇草莓派新登場</a:t>
+                </a:r>
+              </a:p>
+            </p:txBody>
+          </p:sp>
+        </p:grpSp>
+        <p:cxnSp>
+          <p:nvCxnSpPr>
+            <p:cNvPr id="42" name="直線接點 41"/>
+            <p:cNvCxnSpPr/>
+            <p:nvPr/>
+          </p:nvCxnSpPr>
+          <p:spPr>
+            <a:xfrm flipH="1">
+              <a:off x="464288" y="3647010"/>
+              <a:ext cx="1992034" cy="0"/>
+            </a:xfrm>
+            <a:prstGeom prst="line">
+              <a:avLst/>
+            </a:prstGeom>
+            <a:ln w="6350">
+              <a:solidFill>
+                <a:schemeClr val="bg1">
+                  <a:lumMod val="75000"/>
+                </a:schemeClr>
+              </a:solidFill>
+              <a:prstDash val="sysDot"/>
+            </a:ln>
+          </p:spPr>
+          <p:style>
+            <a:lnRef idx="1">
+              <a:schemeClr val="accent1"/>
+            </a:lnRef>
+            <a:fillRef idx="0">
+              <a:schemeClr val="accent1"/>
+            </a:fillRef>
+            <a:effectRef idx="0">
+              <a:schemeClr val="accent1"/>
+            </a:effectRef>
+            <a:fontRef idx="minor">
+              <a:schemeClr val="tx1"/>
+            </a:fontRef>
+          </p:style>
+        </p:cxnSp>
+      </p:grpSp>
+      <p:grpSp>
+        <p:nvGrpSpPr>
+          <p:cNvPr id="19" name="群組 18"/>
+          <p:cNvGrpSpPr/>
+          <p:nvPr/>
+        </p:nvGrpSpPr>
+        <p:grpSpPr>
+          <a:xfrm>
+            <a:off x="603952" y="3143400"/>
+            <a:ext cx="2005560" cy="221540"/>
+            <a:chOff x="450761" y="3425470"/>
+            <a:chExt cx="2005561" cy="221540"/>
+          </a:xfrm>
+        </p:grpSpPr>
+        <p:grpSp>
+          <p:nvGrpSpPr>
+            <p:cNvPr id="37" name="群組 36"/>
+            <p:cNvGrpSpPr/>
+            <p:nvPr/>
+          </p:nvGrpSpPr>
+          <p:grpSpPr>
+            <a:xfrm>
+              <a:off x="450761" y="3425470"/>
+              <a:ext cx="1854512" cy="215572"/>
+              <a:chOff x="450761" y="3425470"/>
+              <a:chExt cx="1854512" cy="215572"/>
+            </a:xfrm>
+          </p:grpSpPr>
+          <p:pic>
+            <p:nvPicPr>
+              <p:cNvPr id="39" name="圖片 38"/>
+              <p:cNvPicPr>
+                <a:picLocks noChangeAspect="1"/>
+              </p:cNvPicPr>
+              <p:nvPr/>
+            </p:nvPicPr>
+            <p:blipFill>
+              <a:blip r:embed="rId5" cstate="print">
+                <a:extLst>
+                  <a:ext uri="{28A0092B-C50C-407E-A947-70E740481C1C}">
+                    <a14:useLocalDpi xmlns:a14="http://schemas.microsoft.com/office/drawing/2010/main" val="0"/>
+                  </a:ext>
+                </a:extLst>
+              </a:blip>
+              <a:stretch>
+                <a:fillRect/>
+              </a:stretch>
+            </p:blipFill>
+            <p:spPr>
+              <a:xfrm>
+                <a:off x="450761" y="3495682"/>
+                <a:ext cx="75020" cy="75020"/>
+              </a:xfrm>
+              <a:prstGeom prst="rect">
+                <a:avLst/>
+              </a:prstGeom>
+            </p:spPr>
+          </p:pic>
+          <p:sp>
+            <p:nvSpPr>
+              <p:cNvPr id="40" name="文字方塊 39"/>
+              <p:cNvSpPr txBox="1"/>
+              <p:nvPr/>
+            </p:nvSpPr>
+            <p:spPr>
+              <a:xfrm>
+                <a:off x="487147" y="3425470"/>
+                <a:ext cx="1818126" cy="215572"/>
+              </a:xfrm>
+              <a:prstGeom prst="rect">
+                <a:avLst/>
+              </a:prstGeom>
+              <a:noFill/>
+            </p:spPr>
+            <p:txBody>
+              <a:bodyPr wrap="none" rtlCol="0">
+                <a:spAutoFit/>
+              </a:bodyPr>
+              <a:lstStyle/>
+              <a:p>
+                <a:r>
+                  <a:rPr lang="en-US" altLang="zh-TW" sz="801" dirty="0">
+                    <a:solidFill>
+                      <a:schemeClr val="bg2">
+                        <a:lumMod val="10000"/>
+                      </a:schemeClr>
+                    </a:solidFill>
+                    <a:latin typeface="微軟正黑體 Light" panose="020B0304030504040204" pitchFamily="34" charset="-120"/>
+                    <a:ea typeface="微軟正黑體 Light" panose="020B0304030504040204" pitchFamily="34" charset="-120"/>
+                  </a:rPr>
+                  <a:t>[</a:t>
+                </a:r>
+                <a:r>
+                  <a:rPr lang="zh-TW" altLang="en-US" sz="801" dirty="0">
+                    <a:solidFill>
+                      <a:schemeClr val="bg2">
+                        <a:lumMod val="10000"/>
+                      </a:schemeClr>
+                    </a:solidFill>
+                    <a:latin typeface="微軟正黑體 Light" panose="020B0304030504040204" pitchFamily="34" charset="-120"/>
+                    <a:ea typeface="微軟正黑體 Light" panose="020B0304030504040204" pitchFamily="34" charset="-120"/>
+                  </a:rPr>
+                  <a:t>原味貝果</a:t>
+                </a:r>
+                <a:r>
+                  <a:rPr lang="en-US" altLang="zh-TW" sz="801" dirty="0">
+                    <a:solidFill>
+                      <a:schemeClr val="bg2">
+                        <a:lumMod val="10000"/>
+                      </a:schemeClr>
+                    </a:solidFill>
+                    <a:latin typeface="微軟正黑體 Light" panose="020B0304030504040204" pitchFamily="34" charset="-120"/>
+                    <a:ea typeface="微軟正黑體 Light" panose="020B0304030504040204" pitchFamily="34" charset="-120"/>
+                  </a:rPr>
+                  <a:t>]</a:t>
+                </a:r>
+                <a:r>
+                  <a:rPr lang="zh-TW" altLang="en-US" sz="801" dirty="0">
+                    <a:solidFill>
+                      <a:schemeClr val="bg2">
+                        <a:lumMod val="10000"/>
+                      </a:schemeClr>
+                    </a:solidFill>
+                    <a:latin typeface="微軟正黑體 Light" panose="020B0304030504040204" pitchFamily="34" charset="-120"/>
+                    <a:ea typeface="微軟正黑體 Light" panose="020B0304030504040204" pitchFamily="34" charset="-120"/>
+                  </a:rPr>
+                  <a:t> 獨家研發的麵粉黃金比例</a:t>
+                </a:r>
+              </a:p>
+            </p:txBody>
+          </p:sp>
+        </p:grpSp>
+        <p:cxnSp>
+          <p:nvCxnSpPr>
+            <p:cNvPr id="38" name="直線接點 37"/>
+            <p:cNvCxnSpPr/>
+            <p:nvPr/>
+          </p:nvCxnSpPr>
+          <p:spPr>
+            <a:xfrm flipH="1">
+              <a:off x="464288" y="3647010"/>
+              <a:ext cx="1992034" cy="0"/>
+            </a:xfrm>
+            <a:prstGeom prst="line">
+              <a:avLst/>
+            </a:prstGeom>
+            <a:ln w="6350">
+              <a:solidFill>
+                <a:schemeClr val="bg1">
+                  <a:lumMod val="75000"/>
+                </a:schemeClr>
+              </a:solidFill>
+              <a:prstDash val="sysDot"/>
+            </a:ln>
+          </p:spPr>
+          <p:style>
+            <a:lnRef idx="1">
+              <a:schemeClr val="accent1"/>
+            </a:lnRef>
+            <a:fillRef idx="0">
+              <a:schemeClr val="accent1"/>
+            </a:fillRef>
+            <a:effectRef idx="0">
+              <a:schemeClr val="accent1"/>
+            </a:effectRef>
+            <a:fontRef idx="minor">
+              <a:schemeClr val="tx1"/>
+            </a:fontRef>
+          </p:style>
+        </p:cxnSp>
+      </p:grpSp>
+      <p:grpSp>
+        <p:nvGrpSpPr>
+          <p:cNvPr id="20" name="群組 19"/>
+          <p:cNvGrpSpPr/>
+          <p:nvPr/>
+        </p:nvGrpSpPr>
+        <p:grpSpPr>
+          <a:xfrm>
+            <a:off x="794" y="9706164"/>
+            <a:ext cx="3049588" cy="323661"/>
+            <a:chOff x="0" y="5472304"/>
+            <a:chExt cx="3049588" cy="323660"/>
+          </a:xfrm>
+        </p:grpSpPr>
+        <p:sp>
+          <p:nvSpPr>
+            <p:cNvPr id="35" name="矩形 34"/>
+            <p:cNvSpPr/>
+            <p:nvPr/>
+          </p:nvSpPr>
+          <p:spPr>
+            <a:xfrm>
+              <a:off x="0" y="5472304"/>
+              <a:ext cx="3049588" cy="323660"/>
             </a:xfrm>
             <a:prstGeom prst="rect">
               <a:avLst/>
@@ -3044,14 +4455,14 @@
         </p:sp>
         <p:sp>
           <p:nvSpPr>
-            <p:cNvPr id="6" name="文字方塊 5"/>
+            <p:cNvPr id="36" name="文字方塊 35"/>
             <p:cNvSpPr txBox="1"/>
             <p:nvPr/>
           </p:nvSpPr>
           <p:spPr>
             <a:xfrm>
-              <a:off x="998620" y="55678"/>
-              <a:ext cx="991386" cy="276871"/>
+              <a:off x="732749" y="5503330"/>
+              <a:ext cx="1584088" cy="261610"/>
             </a:xfrm>
             <a:prstGeom prst="rect">
               <a:avLst/>
@@ -3059,1436 +4470,143 @@
             <a:noFill/>
           </p:spPr>
           <p:txBody>
-            <a:bodyPr wrap="square" rtlCol="0">
+            <a:bodyPr wrap="none" rtlCol="0">
               <a:spAutoFit/>
             </a:bodyPr>
             <a:lstStyle/>
             <a:p>
               <a:r>
-                <a:rPr lang="en-US" altLang="zh-TW" sz="1199" dirty="0">
+                <a:rPr lang="en-US" altLang="zh-TW" sz="1100" dirty="0">
                   <a:solidFill>
                     <a:schemeClr val="bg1"/>
                   </a:solidFill>
-                  <a:latin typeface="Segoe UI Black" panose="020B0A02040204020203" pitchFamily="34" charset="0"/>
-                  <a:ea typeface="Segoe UI Black" panose="020B0A02040204020203" pitchFamily="34" charset="0"/>
-                  <a:cs typeface="Segoe UI Black" panose="020B0A02040204020203" pitchFamily="34" charset="0"/>
                 </a:rPr>
-                <a:t>J’s Bakery</a:t>
+                <a:t>copyright@2016ntutF2E</a:t>
               </a:r>
-              <a:endParaRPr lang="zh-TW" altLang="en-US" sz="1199" dirty="0">
+              <a:endParaRPr lang="zh-TW" altLang="en-US" sz="1100" dirty="0">
                 <a:solidFill>
                   <a:schemeClr val="bg1"/>
                 </a:solidFill>
-                <a:latin typeface="Segoe UI Black" panose="020B0A02040204020203" pitchFamily="34" charset="0"/>
-                <a:cs typeface="Segoe UI Black" panose="020B0A02040204020203" pitchFamily="34" charset="0"/>
               </a:endParaRPr>
             </a:p>
           </p:txBody>
         </p:sp>
-        <p:pic>
-          <p:nvPicPr>
-            <p:cNvPr id="7" name="圖片 6"/>
-            <p:cNvPicPr>
-              <a:picLocks noChangeAspect="1"/>
-            </p:cNvPicPr>
-            <p:nvPr/>
-          </p:nvPicPr>
-          <p:blipFill rotWithShape="1">
-            <a:blip r:embed="rId2" cstate="print">
-              <a:extLst>
-                <a:ext uri="{28A0092B-C50C-407E-A947-70E740481C1C}">
-                  <a14:useLocalDpi xmlns:a14="http://schemas.microsoft.com/office/drawing/2010/main" val="0"/>
-                </a:ext>
-              </a:extLst>
-            </a:blip>
-            <a:srcRect l="19956" t="11861" r="3251" b="11346"/>
-            <a:stretch/>
-          </p:blipFill>
-          <p:spPr>
-            <a:xfrm>
-              <a:off x="1" y="401058"/>
-              <a:ext cx="3049587" cy="1184099"/>
-            </a:xfrm>
-            <a:prstGeom prst="rect">
-              <a:avLst/>
-            </a:prstGeom>
-          </p:spPr>
-        </p:pic>
-        <p:sp>
-          <p:nvSpPr>
-            <p:cNvPr id="8" name="矩形 7"/>
-            <p:cNvSpPr/>
-            <p:nvPr/>
-          </p:nvSpPr>
-          <p:spPr>
-            <a:xfrm>
-              <a:off x="1" y="401058"/>
-              <a:ext cx="3049587" cy="1184099"/>
-            </a:xfrm>
-            <a:prstGeom prst="rect">
-              <a:avLst/>
-            </a:prstGeom>
-            <a:gradFill>
-              <a:gsLst>
-                <a:gs pos="100000">
-                  <a:schemeClr val="accent1">
-                    <a:lumMod val="5000"/>
-                    <a:lumOff val="95000"/>
-                    <a:alpha val="14000"/>
-                  </a:schemeClr>
-                </a:gs>
-                <a:gs pos="0">
-                  <a:schemeClr val="tx1">
-                    <a:lumMod val="95000"/>
-                    <a:lumOff val="5000"/>
-                    <a:alpha val="40000"/>
-                  </a:schemeClr>
-                </a:gs>
-              </a:gsLst>
-              <a:lin ang="5400000" scaled="1"/>
-            </a:gradFill>
-            <a:ln>
-              <a:noFill/>
-            </a:ln>
-          </p:spPr>
-          <p:style>
-            <a:lnRef idx="2">
-              <a:schemeClr val="accent1">
-                <a:shade val="50000"/>
-              </a:schemeClr>
-            </a:lnRef>
-            <a:fillRef idx="1">
-              <a:schemeClr val="accent1"/>
-            </a:fillRef>
-            <a:effectRef idx="0">
-              <a:schemeClr val="accent1"/>
-            </a:effectRef>
-            <a:fontRef idx="minor">
-              <a:schemeClr val="lt1"/>
-            </a:fontRef>
-          </p:style>
-          <p:txBody>
-            <a:bodyPr rtlCol="0" anchor="ctr"/>
-            <a:lstStyle/>
-            <a:p>
-              <a:pPr algn="ctr"/>
-              <a:endParaRPr lang="zh-TW" altLang="en-US"/>
-            </a:p>
-          </p:txBody>
-        </p:sp>
-        <p:pic>
-          <p:nvPicPr>
-            <p:cNvPr id="9" name="圖片 8"/>
-            <p:cNvPicPr>
-              <a:picLocks noChangeAspect="1"/>
-            </p:cNvPicPr>
-            <p:nvPr/>
-          </p:nvPicPr>
-          <p:blipFill>
-            <a:blip r:embed="rId3" cstate="print">
-              <a:extLst>
-                <a:ext uri="{28A0092B-C50C-407E-A947-70E740481C1C}">
-                  <a14:useLocalDpi xmlns:a14="http://schemas.microsoft.com/office/drawing/2010/main" val="0"/>
-                </a:ext>
-              </a:extLst>
-            </a:blip>
-            <a:stretch>
-              <a:fillRect/>
-            </a:stretch>
-          </p:blipFill>
-          <p:spPr>
-            <a:xfrm>
-              <a:off x="2762947" y="924561"/>
-              <a:ext cx="179970" cy="179970"/>
-            </a:xfrm>
-            <a:prstGeom prst="rect">
-              <a:avLst/>
-            </a:prstGeom>
-            <a:noFill/>
-          </p:spPr>
-        </p:pic>
-        <p:pic>
-          <p:nvPicPr>
-            <p:cNvPr id="10" name="圖片 9"/>
-            <p:cNvPicPr>
-              <a:picLocks noChangeAspect="1"/>
-            </p:cNvPicPr>
-            <p:nvPr/>
-          </p:nvPicPr>
-          <p:blipFill>
-            <a:blip r:embed="rId4" cstate="print">
-              <a:extLst>
-                <a:ext uri="{28A0092B-C50C-407E-A947-70E740481C1C}">
-                  <a14:useLocalDpi xmlns:a14="http://schemas.microsoft.com/office/drawing/2010/main" val="0"/>
-                </a:ext>
-              </a:extLst>
-            </a:blip>
-            <a:stretch>
-              <a:fillRect/>
-            </a:stretch>
-          </p:blipFill>
-          <p:spPr>
-            <a:xfrm>
-              <a:off x="69338" y="924561"/>
-              <a:ext cx="179970" cy="179970"/>
-            </a:xfrm>
-            <a:prstGeom prst="rect">
-              <a:avLst/>
-            </a:prstGeom>
-            <a:noFill/>
-          </p:spPr>
-        </p:pic>
-        <p:sp>
-          <p:nvSpPr>
-            <p:cNvPr id="11" name="文字方塊 10"/>
-            <p:cNvSpPr txBox="1"/>
-            <p:nvPr/>
-          </p:nvSpPr>
-          <p:spPr>
-            <a:xfrm>
-              <a:off x="521113" y="3706997"/>
-              <a:ext cx="660044" cy="230832"/>
-            </a:xfrm>
-            <a:prstGeom prst="rect">
-              <a:avLst/>
-            </a:prstGeom>
-            <a:noFill/>
-          </p:spPr>
-          <p:txBody>
-            <a:bodyPr wrap="square" rtlCol="0">
-              <a:spAutoFit/>
-            </a:bodyPr>
-            <a:lstStyle/>
-            <a:p>
-              <a:r>
-                <a:rPr lang="zh-TW" altLang="en-US" sz="900" b="1" dirty="0">
-                  <a:solidFill>
-                    <a:schemeClr val="tx1">
-                      <a:lumMod val="75000"/>
-                      <a:lumOff val="25000"/>
-                    </a:schemeClr>
-                  </a:solidFill>
-                  <a:latin typeface="微軟正黑體" panose="020B0604030504040204" pitchFamily="34" charset="-120"/>
-                  <a:ea typeface="微軟正黑體" panose="020B0604030504040204" pitchFamily="34" charset="-120"/>
-                </a:rPr>
-                <a:t>館長推薦</a:t>
-              </a:r>
-              <a:endParaRPr lang="zh-TW" altLang="en-US" sz="900" b="1" dirty="0">
+      </p:grpSp>
+      <p:pic>
+        <p:nvPicPr>
+          <p:cNvPr id="21" name="圖片 20"/>
+          <p:cNvPicPr>
+            <a:picLocks noChangeAspect="1"/>
+          </p:cNvPicPr>
+          <p:nvPr/>
+        </p:nvPicPr>
+        <p:blipFill>
+          <a:blip r:embed="rId6" cstate="print">
+            <a:extLst>
+              <a:ext uri="{28A0092B-C50C-407E-A947-70E740481C1C}">
+                <a14:useLocalDpi xmlns:a14="http://schemas.microsoft.com/office/drawing/2010/main" val="0"/>
+              </a:ext>
+            </a:extLst>
+          </a:blip>
+          <a:stretch>
+            <a:fillRect/>
+          </a:stretch>
+        </p:blipFill>
+        <p:spPr>
+          <a:xfrm>
+            <a:off x="603607" y="3653038"/>
+            <a:ext cx="211894" cy="211894"/>
+          </a:xfrm>
+          <a:prstGeom prst="rect">
+            <a:avLst/>
+          </a:prstGeom>
+        </p:spPr>
+      </p:pic>
+      <p:pic>
+        <p:nvPicPr>
+          <p:cNvPr id="22" name="圖片 21"/>
+          <p:cNvPicPr>
+            <a:picLocks noChangeAspect="1"/>
+          </p:cNvPicPr>
+          <p:nvPr/>
+        </p:nvPicPr>
+        <p:blipFill>
+          <a:blip r:embed="rId7" cstate="print">
+            <a:extLst>
+              <a:ext uri="{28A0092B-C50C-407E-A947-70E740481C1C}">
+                <a14:useLocalDpi xmlns:a14="http://schemas.microsoft.com/office/drawing/2010/main" val="0"/>
+              </a:ext>
+            </a:extLst>
+          </a:blip>
+          <a:stretch>
+            <a:fillRect/>
+          </a:stretch>
+        </p:blipFill>
+        <p:spPr>
+          <a:xfrm>
+            <a:off x="603607" y="2097825"/>
+            <a:ext cx="230833" cy="230833"/>
+          </a:xfrm>
+          <a:prstGeom prst="rect">
+            <a:avLst/>
+          </a:prstGeom>
+        </p:spPr>
+      </p:pic>
+      <p:sp>
+        <p:nvSpPr>
+          <p:cNvPr id="32" name="文字方塊 31"/>
+          <p:cNvSpPr txBox="1"/>
+          <p:nvPr/>
+        </p:nvSpPr>
+        <p:spPr>
+          <a:xfrm>
+            <a:off x="603607" y="7866022"/>
+            <a:ext cx="973343" cy="276871"/>
+          </a:xfrm>
+          <a:prstGeom prst="rect">
+            <a:avLst/>
+          </a:prstGeom>
+          <a:noFill/>
+        </p:spPr>
+        <p:txBody>
+          <a:bodyPr wrap="none" rtlCol="0">
+            <a:spAutoFit/>
+          </a:bodyPr>
+          <a:lstStyle/>
+          <a:p>
+            <a:pPr marL="171479" indent="-171479">
+              <a:buFont typeface="Arial" panose="020B0604020202020204" pitchFamily="34" charset="0"/>
+              <a:buChar char="•"/>
+            </a:pPr>
+            <a:r>
+              <a:rPr lang="zh-TW" altLang="en-US" sz="1199" dirty="0">
                 <a:solidFill>
-                  <a:schemeClr val="tx1">
-                    <a:lumMod val="75000"/>
-                    <a:lumOff val="25000"/>
+                  <a:schemeClr val="bg2">
+                    <a:lumMod val="10000"/>
                   </a:schemeClr>
                 </a:solidFill>
-                <a:latin typeface="微軟正黑體" panose="020B0604030504040204" pitchFamily="34" charset="-120"/>
-                <a:ea typeface="微軟正黑體" panose="020B0604030504040204" pitchFamily="34" charset="-120"/>
-              </a:endParaRPr>
-            </a:p>
-          </p:txBody>
-        </p:sp>
-        <p:cxnSp>
-          <p:nvCxnSpPr>
-            <p:cNvPr id="12" name="直線接點 11"/>
-            <p:cNvCxnSpPr/>
-            <p:nvPr/>
-          </p:nvCxnSpPr>
-          <p:spPr>
-            <a:xfrm flipH="1">
-              <a:off x="602814" y="3937824"/>
-              <a:ext cx="2028422" cy="0"/>
-            </a:xfrm>
-            <a:prstGeom prst="line">
-              <a:avLst/>
-            </a:prstGeom>
-            <a:ln>
-              <a:solidFill>
-                <a:schemeClr val="bg1">
-                  <a:lumMod val="85000"/>
-                </a:schemeClr>
-              </a:solidFill>
-            </a:ln>
-          </p:spPr>
-          <p:style>
-            <a:lnRef idx="1">
-              <a:schemeClr val="accent1"/>
-            </a:lnRef>
-            <a:fillRef idx="0">
-              <a:schemeClr val="accent1"/>
-            </a:fillRef>
-            <a:effectRef idx="0">
-              <a:schemeClr val="accent1"/>
-            </a:effectRef>
-            <a:fontRef idx="minor">
-              <a:schemeClr val="tx1"/>
-            </a:fontRef>
-          </p:style>
-        </p:cxnSp>
-        <p:grpSp>
-          <p:nvGrpSpPr>
-            <p:cNvPr id="13" name="群組 12"/>
-            <p:cNvGrpSpPr/>
-            <p:nvPr/>
-          </p:nvGrpSpPr>
-          <p:grpSpPr>
-            <a:xfrm>
-              <a:off x="2706503" y="99333"/>
-              <a:ext cx="236417" cy="236417"/>
-              <a:chOff x="2757493" y="84267"/>
-              <a:chExt cx="236417" cy="236417"/>
-            </a:xfrm>
-          </p:grpSpPr>
-          <p:sp>
-            <p:nvSpPr>
-              <p:cNvPr id="53" name="橢圓 52"/>
-              <p:cNvSpPr/>
-              <p:nvPr/>
-            </p:nvSpPr>
-            <p:spPr>
-              <a:xfrm>
-                <a:off x="2757493" y="84267"/>
-                <a:ext cx="236417" cy="236417"/>
-              </a:xfrm>
-              <a:prstGeom prst="ellipse">
-                <a:avLst/>
-              </a:prstGeom>
-              <a:solidFill>
-                <a:srgbClr val="E0773C"/>
-              </a:solidFill>
-              <a:ln>
-                <a:noFill/>
-              </a:ln>
-            </p:spPr>
-            <p:style>
-              <a:lnRef idx="2">
-                <a:schemeClr val="accent1">
-                  <a:shade val="50000"/>
-                </a:schemeClr>
-              </a:lnRef>
-              <a:fillRef idx="1">
-                <a:schemeClr val="accent1"/>
-              </a:fillRef>
-              <a:effectRef idx="0">
-                <a:schemeClr val="accent1"/>
-              </a:effectRef>
-              <a:fontRef idx="minor">
-                <a:schemeClr val="lt1"/>
-              </a:fontRef>
-            </p:style>
-            <p:txBody>
-              <a:bodyPr rtlCol="0" anchor="ctr"/>
-              <a:lstStyle/>
-              <a:p>
-                <a:pPr algn="ctr"/>
-                <a:endParaRPr lang="zh-TW" altLang="en-US"/>
-              </a:p>
-            </p:txBody>
-          </p:sp>
-          <p:grpSp>
-            <p:nvGrpSpPr>
-              <p:cNvPr id="54" name="群組 53"/>
-              <p:cNvGrpSpPr/>
-              <p:nvPr/>
-            </p:nvGrpSpPr>
-            <p:grpSpPr>
-              <a:xfrm>
-                <a:off x="2809066" y="152499"/>
-                <a:ext cx="133271" cy="99953"/>
-                <a:chOff x="2700773" y="169891"/>
-                <a:chExt cx="194569" cy="145076"/>
-              </a:xfrm>
-            </p:grpSpPr>
-            <p:sp>
-              <p:nvSpPr>
-                <p:cNvPr id="55" name="矩形 54"/>
-                <p:cNvSpPr/>
-                <p:nvPr/>
-              </p:nvSpPr>
-              <p:spPr>
-                <a:xfrm>
-                  <a:off x="2700773" y="169891"/>
-                  <a:ext cx="194569" cy="21619"/>
-                </a:xfrm>
-                <a:prstGeom prst="rect">
-                  <a:avLst/>
-                </a:prstGeom>
-                <a:solidFill>
-                  <a:schemeClr val="bg1"/>
-                </a:solidFill>
-                <a:ln>
-                  <a:noFill/>
-                </a:ln>
-              </p:spPr>
-              <p:style>
-                <a:lnRef idx="2">
-                  <a:schemeClr val="accent1">
-                    <a:shade val="50000"/>
-                  </a:schemeClr>
-                </a:lnRef>
-                <a:fillRef idx="1">
-                  <a:schemeClr val="accent1"/>
-                </a:fillRef>
-                <a:effectRef idx="0">
-                  <a:schemeClr val="accent1"/>
-                </a:effectRef>
-                <a:fontRef idx="minor">
-                  <a:schemeClr val="lt1"/>
-                </a:fontRef>
-              </p:style>
-              <p:txBody>
-                <a:bodyPr rtlCol="0" anchor="ctr"/>
-                <a:lstStyle/>
-                <a:p>
-                  <a:pPr algn="ctr"/>
-                  <a:endParaRPr lang="zh-TW" altLang="en-US"/>
-                </a:p>
-              </p:txBody>
-            </p:sp>
-            <p:sp>
-              <p:nvSpPr>
-                <p:cNvPr id="56" name="矩形 55"/>
-                <p:cNvSpPr/>
-                <p:nvPr/>
-              </p:nvSpPr>
-              <p:spPr>
-                <a:xfrm>
-                  <a:off x="2700773" y="231620"/>
-                  <a:ext cx="194569" cy="21619"/>
-                </a:xfrm>
-                <a:prstGeom prst="rect">
-                  <a:avLst/>
-                </a:prstGeom>
-                <a:solidFill>
-                  <a:schemeClr val="bg1"/>
-                </a:solidFill>
-                <a:ln>
-                  <a:noFill/>
-                </a:ln>
-              </p:spPr>
-              <p:style>
-                <a:lnRef idx="2">
-                  <a:schemeClr val="accent1">
-                    <a:shade val="50000"/>
-                  </a:schemeClr>
-                </a:lnRef>
-                <a:fillRef idx="1">
-                  <a:schemeClr val="accent1"/>
-                </a:fillRef>
-                <a:effectRef idx="0">
-                  <a:schemeClr val="accent1"/>
-                </a:effectRef>
-                <a:fontRef idx="minor">
-                  <a:schemeClr val="lt1"/>
-                </a:fontRef>
-              </p:style>
-              <p:txBody>
-                <a:bodyPr rtlCol="0" anchor="ctr"/>
-                <a:lstStyle/>
-                <a:p>
-                  <a:pPr algn="ctr"/>
-                  <a:endParaRPr lang="zh-TW" altLang="en-US"/>
-                </a:p>
-              </p:txBody>
-            </p:sp>
-            <p:sp>
-              <p:nvSpPr>
-                <p:cNvPr id="57" name="矩形 56"/>
-                <p:cNvSpPr/>
-                <p:nvPr/>
-              </p:nvSpPr>
-              <p:spPr>
-                <a:xfrm>
-                  <a:off x="2700773" y="293348"/>
-                  <a:ext cx="194569" cy="21619"/>
-                </a:xfrm>
-                <a:prstGeom prst="rect">
-                  <a:avLst/>
-                </a:prstGeom>
-                <a:solidFill>
-                  <a:schemeClr val="bg1"/>
-                </a:solidFill>
-                <a:ln>
-                  <a:noFill/>
-                </a:ln>
-              </p:spPr>
-              <p:style>
-                <a:lnRef idx="2">
-                  <a:schemeClr val="accent1">
-                    <a:shade val="50000"/>
-                  </a:schemeClr>
-                </a:lnRef>
-                <a:fillRef idx="1">
-                  <a:schemeClr val="accent1"/>
-                </a:fillRef>
-                <a:effectRef idx="0">
-                  <a:schemeClr val="accent1"/>
-                </a:effectRef>
-                <a:fontRef idx="minor">
-                  <a:schemeClr val="lt1"/>
-                </a:fontRef>
-              </p:style>
-              <p:txBody>
-                <a:bodyPr rtlCol="0" anchor="ctr"/>
-                <a:lstStyle/>
-                <a:p>
-                  <a:pPr algn="ctr"/>
-                  <a:endParaRPr lang="zh-TW" altLang="en-US"/>
-                </a:p>
-              </p:txBody>
-            </p:sp>
-          </p:grpSp>
-        </p:grpSp>
-        <p:sp>
-          <p:nvSpPr>
-            <p:cNvPr id="14" name="文字方塊 13"/>
-            <p:cNvSpPr txBox="1"/>
-            <p:nvPr/>
-          </p:nvSpPr>
-          <p:spPr>
-            <a:xfrm>
-              <a:off x="521458" y="2158120"/>
-              <a:ext cx="660044" cy="230832"/>
-            </a:xfrm>
-            <a:prstGeom prst="rect">
-              <a:avLst/>
-            </a:prstGeom>
-            <a:noFill/>
-          </p:spPr>
-          <p:txBody>
-            <a:bodyPr wrap="square" rtlCol="0">
-              <a:spAutoFit/>
-            </a:bodyPr>
-            <a:lstStyle/>
-            <a:p>
-              <a:r>
-                <a:rPr lang="zh-TW" altLang="en-US" sz="900" b="1" dirty="0">
-                  <a:solidFill>
-                    <a:schemeClr val="tx1">
-                      <a:lumMod val="75000"/>
-                      <a:lumOff val="25000"/>
-                    </a:schemeClr>
-                  </a:solidFill>
-                  <a:latin typeface="微軟正黑體" panose="020B0604030504040204" pitchFamily="34" charset="-120"/>
-                  <a:ea typeface="微軟正黑體" panose="020B0604030504040204" pitchFamily="34" charset="-120"/>
-                </a:rPr>
-                <a:t>最新消息</a:t>
-              </a:r>
-              <a:endParaRPr lang="zh-TW" altLang="en-US" sz="900" b="1" dirty="0">
-                <a:solidFill>
-                  <a:schemeClr val="tx1">
-                    <a:lumMod val="75000"/>
-                    <a:lumOff val="25000"/>
-                  </a:schemeClr>
-                </a:solidFill>
-                <a:latin typeface="微軟正黑體" panose="020B0604030504040204" pitchFamily="34" charset="-120"/>
-                <a:ea typeface="微軟正黑體" panose="020B0604030504040204" pitchFamily="34" charset="-120"/>
-              </a:endParaRPr>
-            </a:p>
-          </p:txBody>
-        </p:sp>
-        <p:cxnSp>
-          <p:nvCxnSpPr>
-            <p:cNvPr id="15" name="直線接點 14"/>
-            <p:cNvCxnSpPr/>
-            <p:nvPr/>
-          </p:nvCxnSpPr>
-          <p:spPr>
-            <a:xfrm flipH="1">
-              <a:off x="603159" y="2374553"/>
-              <a:ext cx="2028422" cy="0"/>
-            </a:xfrm>
-            <a:prstGeom prst="line">
-              <a:avLst/>
-            </a:prstGeom>
-            <a:ln>
-              <a:solidFill>
-                <a:schemeClr val="bg1">
-                  <a:lumMod val="85000"/>
-                </a:schemeClr>
-              </a:solidFill>
-            </a:ln>
-          </p:spPr>
-          <p:style>
-            <a:lnRef idx="1">
-              <a:schemeClr val="accent1"/>
-            </a:lnRef>
-            <a:fillRef idx="0">
-              <a:schemeClr val="accent1"/>
-            </a:fillRef>
-            <a:effectRef idx="0">
-              <a:schemeClr val="accent1"/>
-            </a:effectRef>
-            <a:fontRef idx="minor">
-              <a:schemeClr val="tx1"/>
-            </a:fontRef>
-          </p:style>
-        </p:cxnSp>
-        <p:grpSp>
-          <p:nvGrpSpPr>
-            <p:cNvPr id="16" name="群組 15"/>
-            <p:cNvGrpSpPr/>
-            <p:nvPr/>
-          </p:nvGrpSpPr>
-          <p:grpSpPr>
-            <a:xfrm>
-              <a:off x="603161" y="2457720"/>
-              <a:ext cx="2005561" cy="221540"/>
-              <a:chOff x="450761" y="3425470"/>
-              <a:chExt cx="2005561" cy="221540"/>
-            </a:xfrm>
-          </p:grpSpPr>
-          <p:grpSp>
-            <p:nvGrpSpPr>
-              <p:cNvPr id="49" name="群組 48"/>
-              <p:cNvGrpSpPr/>
-              <p:nvPr/>
-            </p:nvGrpSpPr>
-            <p:grpSpPr>
-              <a:xfrm>
-                <a:off x="450761" y="3425470"/>
-                <a:ext cx="1421702" cy="215572"/>
-                <a:chOff x="450761" y="3425470"/>
-                <a:chExt cx="1421702" cy="215572"/>
-              </a:xfrm>
-            </p:grpSpPr>
-            <p:pic>
-              <p:nvPicPr>
-                <p:cNvPr id="51" name="圖片 50"/>
-                <p:cNvPicPr>
-                  <a:picLocks noChangeAspect="1"/>
-                </p:cNvPicPr>
-                <p:nvPr/>
-              </p:nvPicPr>
-              <p:blipFill>
-                <a:blip r:embed="rId5" cstate="print">
-                  <a:extLst>
-                    <a:ext uri="{28A0092B-C50C-407E-A947-70E740481C1C}">
-                      <a14:useLocalDpi xmlns:a14="http://schemas.microsoft.com/office/drawing/2010/main" val="0"/>
-                    </a:ext>
-                  </a:extLst>
-                </a:blip>
-                <a:stretch>
-                  <a:fillRect/>
-                </a:stretch>
-              </p:blipFill>
-              <p:spPr>
-                <a:xfrm>
-                  <a:off x="450761" y="3495682"/>
-                  <a:ext cx="75020" cy="75020"/>
-                </a:xfrm>
-                <a:prstGeom prst="rect">
-                  <a:avLst/>
-                </a:prstGeom>
-              </p:spPr>
-            </p:pic>
-            <p:sp>
-              <p:nvSpPr>
-                <p:cNvPr id="52" name="文字方塊 51"/>
-                <p:cNvSpPr txBox="1"/>
-                <p:nvPr/>
-              </p:nvSpPr>
-              <p:spPr>
-                <a:xfrm>
-                  <a:off x="487147" y="3425470"/>
-                  <a:ext cx="1385316" cy="215572"/>
-                </a:xfrm>
-                <a:prstGeom prst="rect">
-                  <a:avLst/>
-                </a:prstGeom>
-                <a:noFill/>
-              </p:spPr>
-              <p:txBody>
-                <a:bodyPr wrap="none" rtlCol="0">
-                  <a:spAutoFit/>
-                </a:bodyPr>
-                <a:lstStyle/>
-                <a:p>
-                  <a:r>
-                    <a:rPr lang="zh-TW" altLang="en-US" sz="801" dirty="0">
-                      <a:solidFill>
-                        <a:schemeClr val="bg2">
-                          <a:lumMod val="10000"/>
-                        </a:schemeClr>
-                      </a:solidFill>
-                      <a:latin typeface="微軟正黑體 Light" panose="020B0304030504040204" pitchFamily="34" charset="-120"/>
-                      <a:ea typeface="微軟正黑體 Light" panose="020B0304030504040204" pitchFamily="34" charset="-120"/>
-                    </a:rPr>
-                    <a:t>最新出爐</a:t>
-                  </a:r>
-                  <a:r>
-                    <a:rPr lang="en-US" altLang="zh-TW" sz="801" dirty="0">
-                      <a:solidFill>
-                        <a:schemeClr val="bg2">
-                          <a:lumMod val="10000"/>
-                        </a:schemeClr>
-                      </a:solidFill>
-                      <a:latin typeface="微軟正黑體 Light" panose="020B0304030504040204" pitchFamily="34" charset="-120"/>
-                      <a:ea typeface="微軟正黑體 Light" panose="020B0304030504040204" pitchFamily="34" charset="-120"/>
-                    </a:rPr>
-                    <a:t>~</a:t>
-                  </a:r>
-                  <a:r>
-                    <a:rPr lang="zh-TW" altLang="en-US" sz="801" dirty="0">
-                      <a:solidFill>
-                        <a:schemeClr val="bg2">
-                          <a:lumMod val="10000"/>
-                        </a:schemeClr>
-                      </a:solidFill>
-                      <a:latin typeface="微軟正黑體 Light" panose="020B0304030504040204" pitchFamily="34" charset="-120"/>
-                      <a:ea typeface="微軟正黑體 Light" panose="020B0304030504040204" pitchFamily="34" charset="-120"/>
-                    </a:rPr>
-                    <a:t>紅茶口味瑪德蓮</a:t>
-                  </a:r>
-                  <a:endParaRPr lang="zh-TW" altLang="en-US" sz="801" dirty="0">
-                    <a:solidFill>
-                      <a:schemeClr val="bg2">
-                        <a:lumMod val="10000"/>
-                      </a:schemeClr>
-                    </a:solidFill>
-                    <a:latin typeface="微軟正黑體 Light" panose="020B0304030504040204" pitchFamily="34" charset="-120"/>
-                    <a:ea typeface="微軟正黑體 Light" panose="020B0304030504040204" pitchFamily="34" charset="-120"/>
-                  </a:endParaRPr>
-                </a:p>
-              </p:txBody>
-            </p:sp>
-          </p:grpSp>
-          <p:cxnSp>
-            <p:nvCxnSpPr>
-              <p:cNvPr id="50" name="直線接點 49"/>
-              <p:cNvCxnSpPr/>
-              <p:nvPr/>
-            </p:nvCxnSpPr>
-            <p:spPr>
-              <a:xfrm flipH="1">
-                <a:off x="464288" y="3647010"/>
-                <a:ext cx="1992034" cy="0"/>
-              </a:xfrm>
-              <a:prstGeom prst="line">
-                <a:avLst/>
-              </a:prstGeom>
-              <a:ln w="6350">
-                <a:solidFill>
-                  <a:schemeClr val="bg1">
-                    <a:lumMod val="75000"/>
-                  </a:schemeClr>
-                </a:solidFill>
-                <a:prstDash val="sysDot"/>
-              </a:ln>
-            </p:spPr>
-            <p:style>
-              <a:lnRef idx="1">
-                <a:schemeClr val="accent1"/>
-              </a:lnRef>
-              <a:fillRef idx="0">
-                <a:schemeClr val="accent1"/>
-              </a:fillRef>
-              <a:effectRef idx="0">
-                <a:schemeClr val="accent1"/>
-              </a:effectRef>
-              <a:fontRef idx="minor">
-                <a:schemeClr val="tx1"/>
-              </a:fontRef>
-            </p:style>
-          </p:cxnSp>
-        </p:grpSp>
-        <p:grpSp>
-          <p:nvGrpSpPr>
-            <p:cNvPr id="17" name="群組 16"/>
-            <p:cNvGrpSpPr/>
-            <p:nvPr/>
-          </p:nvGrpSpPr>
-          <p:grpSpPr>
-            <a:xfrm>
-              <a:off x="603159" y="2686128"/>
-              <a:ext cx="2005560" cy="221540"/>
-              <a:chOff x="450761" y="3425470"/>
-              <a:chExt cx="2005561" cy="221540"/>
-            </a:xfrm>
-          </p:grpSpPr>
-          <p:grpSp>
-            <p:nvGrpSpPr>
-              <p:cNvPr id="45" name="群組 44"/>
-              <p:cNvGrpSpPr/>
-              <p:nvPr/>
-            </p:nvGrpSpPr>
-            <p:grpSpPr>
-              <a:xfrm>
-                <a:off x="450761" y="3425470"/>
-                <a:ext cx="1453762" cy="215572"/>
-                <a:chOff x="450761" y="3425470"/>
-                <a:chExt cx="1453762" cy="215572"/>
-              </a:xfrm>
-            </p:grpSpPr>
-            <p:pic>
-              <p:nvPicPr>
-                <p:cNvPr id="47" name="圖片 46"/>
-                <p:cNvPicPr>
-                  <a:picLocks noChangeAspect="1"/>
-                </p:cNvPicPr>
-                <p:nvPr/>
-              </p:nvPicPr>
-              <p:blipFill>
-                <a:blip r:embed="rId5" cstate="print">
-                  <a:extLst>
-                    <a:ext uri="{28A0092B-C50C-407E-A947-70E740481C1C}">
-                      <a14:useLocalDpi xmlns:a14="http://schemas.microsoft.com/office/drawing/2010/main" val="0"/>
-                    </a:ext>
-                  </a:extLst>
-                </a:blip>
-                <a:stretch>
-                  <a:fillRect/>
-                </a:stretch>
-              </p:blipFill>
-              <p:spPr>
-                <a:xfrm>
-                  <a:off x="450761" y="3495682"/>
-                  <a:ext cx="75020" cy="75020"/>
-                </a:xfrm>
-                <a:prstGeom prst="rect">
-                  <a:avLst/>
-                </a:prstGeom>
-              </p:spPr>
-            </p:pic>
-            <p:sp>
-              <p:nvSpPr>
-                <p:cNvPr id="48" name="文字方塊 47"/>
-                <p:cNvSpPr txBox="1"/>
-                <p:nvPr/>
-              </p:nvSpPr>
-              <p:spPr>
-                <a:xfrm>
-                  <a:off x="487147" y="3425470"/>
-                  <a:ext cx="1417376" cy="215572"/>
-                </a:xfrm>
-                <a:prstGeom prst="rect">
-                  <a:avLst/>
-                </a:prstGeom>
-                <a:noFill/>
-              </p:spPr>
-              <p:txBody>
-                <a:bodyPr wrap="none" rtlCol="0">
-                  <a:spAutoFit/>
-                </a:bodyPr>
-                <a:lstStyle/>
-                <a:p>
-                  <a:r>
-                    <a:rPr lang="zh-TW" altLang="en-US" sz="801" dirty="0">
-                      <a:solidFill>
-                        <a:schemeClr val="bg2">
-                          <a:lumMod val="10000"/>
-                        </a:schemeClr>
-                      </a:solidFill>
-                      <a:latin typeface="微軟正黑體 Light" panose="020B0304030504040204" pitchFamily="34" charset="-120"/>
-                      <a:ea typeface="微軟正黑體 Light" panose="020B0304030504040204" pitchFamily="34" charset="-120"/>
-                    </a:rPr>
-                    <a:t>期待已久</a:t>
-                  </a:r>
-                  <a:r>
-                    <a:rPr lang="en-US" altLang="zh-TW" sz="801" dirty="0">
-                      <a:solidFill>
-                        <a:schemeClr val="bg2">
-                          <a:lumMod val="10000"/>
-                        </a:schemeClr>
-                      </a:solidFill>
-                      <a:latin typeface="微軟正黑體 Light" panose="020B0304030504040204" pitchFamily="34" charset="-120"/>
-                      <a:ea typeface="微軟正黑體 Light" panose="020B0304030504040204" pitchFamily="34" charset="-120"/>
-                    </a:rPr>
-                    <a:t>~</a:t>
-                  </a:r>
-                  <a:r>
-                    <a:rPr lang="zh-TW" altLang="en-US" sz="801" dirty="0">
-                      <a:solidFill>
-                        <a:schemeClr val="bg2">
-                          <a:lumMod val="10000"/>
-                        </a:schemeClr>
-                      </a:solidFill>
-                      <a:latin typeface="微軟正黑體 Light" panose="020B0304030504040204" pitchFamily="34" charset="-120"/>
-                      <a:ea typeface="微軟正黑體 Light" panose="020B0304030504040204" pitchFamily="34" charset="-120"/>
-                    </a:rPr>
-                    <a:t>板橋新店開張了</a:t>
-                  </a:r>
-                  <a:r>
-                    <a:rPr lang="en-US" altLang="zh-TW" sz="801" dirty="0">
-                      <a:solidFill>
-                        <a:schemeClr val="bg2">
-                          <a:lumMod val="10000"/>
-                        </a:schemeClr>
-                      </a:solidFill>
-                      <a:latin typeface="微軟正黑體 Light" panose="020B0304030504040204" pitchFamily="34" charset="-120"/>
-                      <a:ea typeface="微軟正黑體 Light" panose="020B0304030504040204" pitchFamily="34" charset="-120"/>
-                    </a:rPr>
-                    <a:t>!</a:t>
-                  </a:r>
-                  <a:endParaRPr lang="zh-TW" altLang="en-US" sz="801" dirty="0">
-                    <a:solidFill>
-                      <a:schemeClr val="bg2">
-                        <a:lumMod val="10000"/>
-                      </a:schemeClr>
-                    </a:solidFill>
-                    <a:latin typeface="微軟正黑體 Light" panose="020B0304030504040204" pitchFamily="34" charset="-120"/>
-                    <a:ea typeface="微軟正黑體 Light" panose="020B0304030504040204" pitchFamily="34" charset="-120"/>
-                  </a:endParaRPr>
-                </a:p>
-              </p:txBody>
-            </p:sp>
-          </p:grpSp>
-          <p:cxnSp>
-            <p:nvCxnSpPr>
-              <p:cNvPr id="46" name="直線接點 45"/>
-              <p:cNvCxnSpPr/>
-              <p:nvPr/>
-            </p:nvCxnSpPr>
-            <p:spPr>
-              <a:xfrm flipH="1">
-                <a:off x="464288" y="3647010"/>
-                <a:ext cx="1992034" cy="0"/>
-              </a:xfrm>
-              <a:prstGeom prst="line">
-                <a:avLst/>
-              </a:prstGeom>
-              <a:ln w="6350">
-                <a:solidFill>
-                  <a:schemeClr val="bg1">
-                    <a:lumMod val="75000"/>
-                  </a:schemeClr>
-                </a:solidFill>
-                <a:prstDash val="sysDot"/>
-              </a:ln>
-            </p:spPr>
-            <p:style>
-              <a:lnRef idx="1">
-                <a:schemeClr val="accent1"/>
-              </a:lnRef>
-              <a:fillRef idx="0">
-                <a:schemeClr val="accent1"/>
-              </a:fillRef>
-              <a:effectRef idx="0">
-                <a:schemeClr val="accent1"/>
-              </a:effectRef>
-              <a:fontRef idx="minor">
-                <a:schemeClr val="tx1"/>
-              </a:fontRef>
-            </p:style>
-          </p:cxnSp>
-        </p:grpSp>
-        <p:grpSp>
-          <p:nvGrpSpPr>
-            <p:cNvPr id="18" name="群組 17"/>
-            <p:cNvGrpSpPr/>
-            <p:nvPr/>
-          </p:nvGrpSpPr>
-          <p:grpSpPr>
-            <a:xfrm>
-              <a:off x="603159" y="2913765"/>
-              <a:ext cx="2005560" cy="221540"/>
-              <a:chOff x="450761" y="3425470"/>
-              <a:chExt cx="2005561" cy="221540"/>
-            </a:xfrm>
-          </p:grpSpPr>
-          <p:grpSp>
-            <p:nvGrpSpPr>
-              <p:cNvPr id="41" name="群組 40"/>
-              <p:cNvGrpSpPr/>
-              <p:nvPr/>
-            </p:nvGrpSpPr>
-            <p:grpSpPr>
-              <a:xfrm>
-                <a:off x="450761" y="3425470"/>
-                <a:ext cx="1649328" cy="215572"/>
-                <a:chOff x="450761" y="3425470"/>
-                <a:chExt cx="1649328" cy="215572"/>
-              </a:xfrm>
-            </p:grpSpPr>
-            <p:pic>
-              <p:nvPicPr>
-                <p:cNvPr id="43" name="圖片 42"/>
-                <p:cNvPicPr>
-                  <a:picLocks noChangeAspect="1"/>
-                </p:cNvPicPr>
-                <p:nvPr/>
-              </p:nvPicPr>
-              <p:blipFill>
-                <a:blip r:embed="rId5" cstate="print">
-                  <a:extLst>
-                    <a:ext uri="{28A0092B-C50C-407E-A947-70E740481C1C}">
-                      <a14:useLocalDpi xmlns:a14="http://schemas.microsoft.com/office/drawing/2010/main" val="0"/>
-                    </a:ext>
-                  </a:extLst>
-                </a:blip>
-                <a:stretch>
-                  <a:fillRect/>
-                </a:stretch>
-              </p:blipFill>
-              <p:spPr>
-                <a:xfrm>
-                  <a:off x="450761" y="3495682"/>
-                  <a:ext cx="75020" cy="75020"/>
-                </a:xfrm>
-                <a:prstGeom prst="rect">
-                  <a:avLst/>
-                </a:prstGeom>
-              </p:spPr>
-            </p:pic>
-            <p:sp>
-              <p:nvSpPr>
-                <p:cNvPr id="44" name="文字方塊 43"/>
-                <p:cNvSpPr txBox="1"/>
-                <p:nvPr/>
-              </p:nvSpPr>
-              <p:spPr>
-                <a:xfrm>
-                  <a:off x="487147" y="3425470"/>
-                  <a:ext cx="1612942" cy="215572"/>
-                </a:xfrm>
-                <a:prstGeom prst="rect">
-                  <a:avLst/>
-                </a:prstGeom>
-                <a:noFill/>
-              </p:spPr>
-              <p:txBody>
-                <a:bodyPr wrap="none" rtlCol="0">
-                  <a:spAutoFit/>
-                </a:bodyPr>
-                <a:lstStyle/>
-                <a:p>
-                  <a:r>
-                    <a:rPr lang="en-US" altLang="zh-TW" sz="801" dirty="0">
-                      <a:solidFill>
-                        <a:schemeClr val="bg2">
-                          <a:lumMod val="10000"/>
-                        </a:schemeClr>
-                      </a:solidFill>
-                      <a:latin typeface="微軟正黑體 Light" panose="020B0304030504040204" pitchFamily="34" charset="-120"/>
-                      <a:ea typeface="微軟正黑體 Light" panose="020B0304030504040204" pitchFamily="34" charset="-120"/>
-                    </a:rPr>
-                    <a:t>[</a:t>
-                  </a:r>
-                  <a:r>
-                    <a:rPr lang="zh-TW" altLang="en-US" sz="801" dirty="0">
-                      <a:solidFill>
-                        <a:schemeClr val="bg2">
-                          <a:lumMod val="10000"/>
-                        </a:schemeClr>
-                      </a:solidFill>
-                      <a:latin typeface="微軟正黑體 Light" panose="020B0304030504040204" pitchFamily="34" charset="-120"/>
-                      <a:ea typeface="微軟正黑體 Light" panose="020B0304030504040204" pitchFamily="34" charset="-120"/>
-                    </a:rPr>
-                    <a:t>季節限定</a:t>
-                  </a:r>
-                  <a:r>
-                    <a:rPr lang="en-US" altLang="zh-TW" sz="801" dirty="0">
-                      <a:solidFill>
-                        <a:schemeClr val="bg2">
-                          <a:lumMod val="10000"/>
-                        </a:schemeClr>
-                      </a:solidFill>
-                      <a:latin typeface="微軟正黑體 Light" panose="020B0304030504040204" pitchFamily="34" charset="-120"/>
-                      <a:ea typeface="微軟正黑體 Light" panose="020B0304030504040204" pitchFamily="34" charset="-120"/>
-                    </a:rPr>
-                    <a:t>]</a:t>
-                  </a:r>
-                  <a:r>
-                    <a:rPr lang="zh-TW" altLang="en-US" sz="801" dirty="0">
-                      <a:solidFill>
-                        <a:schemeClr val="bg2">
-                          <a:lumMod val="10000"/>
-                        </a:schemeClr>
-                      </a:solidFill>
-                      <a:latin typeface="微軟正黑體 Light" panose="020B0304030504040204" pitchFamily="34" charset="-120"/>
-                      <a:ea typeface="微軟正黑體 Light" panose="020B0304030504040204" pitchFamily="34" charset="-120"/>
-                    </a:rPr>
-                    <a:t> 超浮誇草莓派新登場</a:t>
-                  </a:r>
-                  <a:endParaRPr lang="zh-TW" altLang="en-US" sz="801" dirty="0">
-                    <a:solidFill>
-                      <a:schemeClr val="bg2">
-                        <a:lumMod val="10000"/>
-                      </a:schemeClr>
-                    </a:solidFill>
-                    <a:latin typeface="微軟正黑體 Light" panose="020B0304030504040204" pitchFamily="34" charset="-120"/>
-                    <a:ea typeface="微軟正黑體 Light" panose="020B0304030504040204" pitchFamily="34" charset="-120"/>
-                  </a:endParaRPr>
-                </a:p>
-              </p:txBody>
-            </p:sp>
-          </p:grpSp>
-          <p:cxnSp>
-            <p:nvCxnSpPr>
-              <p:cNvPr id="42" name="直線接點 41"/>
-              <p:cNvCxnSpPr/>
-              <p:nvPr/>
-            </p:nvCxnSpPr>
-            <p:spPr>
-              <a:xfrm flipH="1">
-                <a:off x="464288" y="3647010"/>
-                <a:ext cx="1992034" cy="0"/>
-              </a:xfrm>
-              <a:prstGeom prst="line">
-                <a:avLst/>
-              </a:prstGeom>
-              <a:ln w="6350">
-                <a:solidFill>
-                  <a:schemeClr val="bg1">
-                    <a:lumMod val="75000"/>
-                  </a:schemeClr>
-                </a:solidFill>
-                <a:prstDash val="sysDot"/>
-              </a:ln>
-            </p:spPr>
-            <p:style>
-              <a:lnRef idx="1">
-                <a:schemeClr val="accent1"/>
-              </a:lnRef>
-              <a:fillRef idx="0">
-                <a:schemeClr val="accent1"/>
-              </a:fillRef>
-              <a:effectRef idx="0">
-                <a:schemeClr val="accent1"/>
-              </a:effectRef>
-              <a:fontRef idx="minor">
-                <a:schemeClr val="tx1"/>
-              </a:fontRef>
-            </p:style>
-          </p:cxnSp>
-        </p:grpSp>
-        <p:grpSp>
-          <p:nvGrpSpPr>
-            <p:cNvPr id="19" name="群組 18"/>
-            <p:cNvGrpSpPr/>
-            <p:nvPr/>
-          </p:nvGrpSpPr>
-          <p:grpSpPr>
-            <a:xfrm>
-              <a:off x="603159" y="3144597"/>
-              <a:ext cx="2005560" cy="221540"/>
-              <a:chOff x="450761" y="3425470"/>
-              <a:chExt cx="2005561" cy="221540"/>
-            </a:xfrm>
-          </p:grpSpPr>
-          <p:grpSp>
-            <p:nvGrpSpPr>
-              <p:cNvPr id="37" name="群組 36"/>
-              <p:cNvGrpSpPr/>
-              <p:nvPr/>
-            </p:nvGrpSpPr>
-            <p:grpSpPr>
-              <a:xfrm>
-                <a:off x="450761" y="3425470"/>
-                <a:ext cx="1854512" cy="215572"/>
-                <a:chOff x="450761" y="3425470"/>
-                <a:chExt cx="1854512" cy="215572"/>
-              </a:xfrm>
-            </p:grpSpPr>
-            <p:pic>
-              <p:nvPicPr>
-                <p:cNvPr id="39" name="圖片 38"/>
-                <p:cNvPicPr>
-                  <a:picLocks noChangeAspect="1"/>
-                </p:cNvPicPr>
-                <p:nvPr/>
-              </p:nvPicPr>
-              <p:blipFill>
-                <a:blip r:embed="rId5" cstate="print">
-                  <a:extLst>
-                    <a:ext uri="{28A0092B-C50C-407E-A947-70E740481C1C}">
-                      <a14:useLocalDpi xmlns:a14="http://schemas.microsoft.com/office/drawing/2010/main" val="0"/>
-                    </a:ext>
-                  </a:extLst>
-                </a:blip>
-                <a:stretch>
-                  <a:fillRect/>
-                </a:stretch>
-              </p:blipFill>
-              <p:spPr>
-                <a:xfrm>
-                  <a:off x="450761" y="3495682"/>
-                  <a:ext cx="75020" cy="75020"/>
-                </a:xfrm>
-                <a:prstGeom prst="rect">
-                  <a:avLst/>
-                </a:prstGeom>
-              </p:spPr>
-            </p:pic>
-            <p:sp>
-              <p:nvSpPr>
-                <p:cNvPr id="40" name="文字方塊 39"/>
-                <p:cNvSpPr txBox="1"/>
-                <p:nvPr/>
-              </p:nvSpPr>
-              <p:spPr>
-                <a:xfrm>
-                  <a:off x="487147" y="3425470"/>
-                  <a:ext cx="1818126" cy="215572"/>
-                </a:xfrm>
-                <a:prstGeom prst="rect">
-                  <a:avLst/>
-                </a:prstGeom>
-                <a:noFill/>
-              </p:spPr>
-              <p:txBody>
-                <a:bodyPr wrap="none" rtlCol="0">
-                  <a:spAutoFit/>
-                </a:bodyPr>
-                <a:lstStyle/>
-                <a:p>
-                  <a:r>
-                    <a:rPr lang="en-US" altLang="zh-TW" sz="801" dirty="0">
-                      <a:solidFill>
-                        <a:schemeClr val="bg2">
-                          <a:lumMod val="10000"/>
-                        </a:schemeClr>
-                      </a:solidFill>
-                      <a:latin typeface="微軟正黑體 Light" panose="020B0304030504040204" pitchFamily="34" charset="-120"/>
-                      <a:ea typeface="微軟正黑體 Light" panose="020B0304030504040204" pitchFamily="34" charset="-120"/>
-                    </a:rPr>
-                    <a:t>[</a:t>
-                  </a:r>
-                  <a:r>
-                    <a:rPr lang="zh-TW" altLang="en-US" sz="801" dirty="0">
-                      <a:solidFill>
-                        <a:schemeClr val="bg2">
-                          <a:lumMod val="10000"/>
-                        </a:schemeClr>
-                      </a:solidFill>
-                      <a:latin typeface="微軟正黑體 Light" panose="020B0304030504040204" pitchFamily="34" charset="-120"/>
-                      <a:ea typeface="微軟正黑體 Light" panose="020B0304030504040204" pitchFamily="34" charset="-120"/>
-                    </a:rPr>
-                    <a:t>原味貝果</a:t>
-                  </a:r>
-                  <a:r>
-                    <a:rPr lang="en-US" altLang="zh-TW" sz="801" dirty="0">
-                      <a:solidFill>
-                        <a:schemeClr val="bg2">
-                          <a:lumMod val="10000"/>
-                        </a:schemeClr>
-                      </a:solidFill>
-                      <a:latin typeface="微軟正黑體 Light" panose="020B0304030504040204" pitchFamily="34" charset="-120"/>
-                      <a:ea typeface="微軟正黑體 Light" panose="020B0304030504040204" pitchFamily="34" charset="-120"/>
-                    </a:rPr>
-                    <a:t>]</a:t>
-                  </a:r>
-                  <a:r>
-                    <a:rPr lang="zh-TW" altLang="en-US" sz="801" dirty="0">
-                      <a:solidFill>
-                        <a:schemeClr val="bg2">
-                          <a:lumMod val="10000"/>
-                        </a:schemeClr>
-                      </a:solidFill>
-                      <a:latin typeface="微軟正黑體 Light" panose="020B0304030504040204" pitchFamily="34" charset="-120"/>
-                      <a:ea typeface="微軟正黑體 Light" panose="020B0304030504040204" pitchFamily="34" charset="-120"/>
-                    </a:rPr>
-                    <a:t> 獨家研發的麵粉黃金比例</a:t>
-                  </a:r>
-                  <a:endParaRPr lang="zh-TW" altLang="en-US" sz="801" dirty="0">
-                    <a:solidFill>
-                      <a:schemeClr val="bg2">
-                        <a:lumMod val="10000"/>
-                      </a:schemeClr>
-                    </a:solidFill>
-                    <a:latin typeface="微軟正黑體 Light" panose="020B0304030504040204" pitchFamily="34" charset="-120"/>
-                    <a:ea typeface="微軟正黑體 Light" panose="020B0304030504040204" pitchFamily="34" charset="-120"/>
-                  </a:endParaRPr>
-                </a:p>
-              </p:txBody>
-            </p:sp>
-          </p:grpSp>
-          <p:cxnSp>
-            <p:nvCxnSpPr>
-              <p:cNvPr id="38" name="直線接點 37"/>
-              <p:cNvCxnSpPr/>
-              <p:nvPr/>
-            </p:nvCxnSpPr>
-            <p:spPr>
-              <a:xfrm flipH="1">
-                <a:off x="464288" y="3647010"/>
-                <a:ext cx="1992034" cy="0"/>
-              </a:xfrm>
-              <a:prstGeom prst="line">
-                <a:avLst/>
-              </a:prstGeom>
-              <a:ln w="6350">
-                <a:solidFill>
-                  <a:schemeClr val="bg1">
-                    <a:lumMod val="75000"/>
-                  </a:schemeClr>
-                </a:solidFill>
-                <a:prstDash val="sysDot"/>
-              </a:ln>
-            </p:spPr>
-            <p:style>
-              <a:lnRef idx="1">
-                <a:schemeClr val="accent1"/>
-              </a:lnRef>
-              <a:fillRef idx="0">
-                <a:schemeClr val="accent1"/>
-              </a:fillRef>
-              <a:effectRef idx="0">
-                <a:schemeClr val="accent1"/>
-              </a:effectRef>
-              <a:fontRef idx="minor">
-                <a:schemeClr val="tx1"/>
-              </a:fontRef>
-            </p:style>
-          </p:cxnSp>
-        </p:grpSp>
-        <p:grpSp>
-          <p:nvGrpSpPr>
-            <p:cNvPr id="20" name="群組 19"/>
-            <p:cNvGrpSpPr/>
-            <p:nvPr/>
-          </p:nvGrpSpPr>
-          <p:grpSpPr>
-            <a:xfrm>
-              <a:off x="1" y="9707361"/>
-              <a:ext cx="3049588" cy="323661"/>
-              <a:chOff x="0" y="5472304"/>
-              <a:chExt cx="3049588" cy="323660"/>
-            </a:xfrm>
-          </p:grpSpPr>
-          <p:sp>
-            <p:nvSpPr>
-              <p:cNvPr id="35" name="矩形 34"/>
-              <p:cNvSpPr/>
-              <p:nvPr/>
-            </p:nvSpPr>
-            <p:spPr>
-              <a:xfrm>
-                <a:off x="0" y="5472304"/>
-                <a:ext cx="3049588" cy="323660"/>
-              </a:xfrm>
-              <a:prstGeom prst="rect">
-                <a:avLst/>
-              </a:prstGeom>
-              <a:solidFill>
-                <a:srgbClr val="242424"/>
-              </a:solidFill>
-              <a:ln>
-                <a:noFill/>
-              </a:ln>
-            </p:spPr>
-            <p:style>
-              <a:lnRef idx="2">
-                <a:schemeClr val="accent1">
-                  <a:shade val="50000"/>
-                </a:schemeClr>
-              </a:lnRef>
-              <a:fillRef idx="1">
-                <a:schemeClr val="accent1"/>
-              </a:fillRef>
-              <a:effectRef idx="0">
-                <a:schemeClr val="accent1"/>
-              </a:effectRef>
-              <a:fontRef idx="minor">
-                <a:schemeClr val="lt1"/>
-              </a:fontRef>
-            </p:style>
-            <p:txBody>
-              <a:bodyPr rtlCol="0" anchor="ctr"/>
-              <a:lstStyle/>
-              <a:p>
-                <a:pPr algn="ctr"/>
-                <a:endParaRPr lang="zh-TW" altLang="en-US" dirty="0"/>
-              </a:p>
-            </p:txBody>
-          </p:sp>
-          <p:sp>
-            <p:nvSpPr>
-              <p:cNvPr id="36" name="文字方塊 35"/>
-              <p:cNvSpPr txBox="1"/>
-              <p:nvPr/>
-            </p:nvSpPr>
-            <p:spPr>
-              <a:xfrm>
-                <a:off x="732749" y="5503330"/>
-                <a:ext cx="1584088" cy="261610"/>
-              </a:xfrm>
-              <a:prstGeom prst="rect">
-                <a:avLst/>
-              </a:prstGeom>
-              <a:noFill/>
-            </p:spPr>
-            <p:txBody>
-              <a:bodyPr wrap="none" rtlCol="0">
-                <a:spAutoFit/>
-              </a:bodyPr>
-              <a:lstStyle/>
-              <a:p>
-                <a:r>
-                  <a:rPr lang="en-US" altLang="zh-TW" sz="1100" dirty="0">
-                    <a:solidFill>
-                      <a:schemeClr val="bg1"/>
-                    </a:solidFill>
-                  </a:rPr>
-                  <a:t>copyright@2016ntutF2E</a:t>
-                </a:r>
-                <a:endParaRPr lang="zh-TW" altLang="en-US" sz="1100" dirty="0">
-                  <a:solidFill>
-                    <a:schemeClr val="bg1"/>
-                  </a:solidFill>
-                </a:endParaRPr>
-              </a:p>
-            </p:txBody>
-          </p:sp>
-        </p:grpSp>
-        <p:pic>
-          <p:nvPicPr>
-            <p:cNvPr id="21" name="圖片 20"/>
-            <p:cNvPicPr>
-              <a:picLocks noChangeAspect="1"/>
-            </p:cNvPicPr>
-            <p:nvPr/>
-          </p:nvPicPr>
-          <p:blipFill>
-            <a:blip r:embed="rId6" cstate="print">
-              <a:extLst>
-                <a:ext uri="{28A0092B-C50C-407E-A947-70E740481C1C}">
-                  <a14:useLocalDpi xmlns:a14="http://schemas.microsoft.com/office/drawing/2010/main" val="0"/>
-                </a:ext>
-              </a:extLst>
-            </a:blip>
-            <a:stretch>
-              <a:fillRect/>
-            </a:stretch>
-          </p:blipFill>
-          <p:spPr>
-            <a:xfrm>
-              <a:off x="249306" y="3745157"/>
-              <a:ext cx="211894" cy="211894"/>
-            </a:xfrm>
-            <a:prstGeom prst="rect">
-              <a:avLst/>
-            </a:prstGeom>
-          </p:spPr>
-        </p:pic>
-        <p:pic>
-          <p:nvPicPr>
-            <p:cNvPr id="22" name="圖片 21"/>
-            <p:cNvPicPr>
-              <a:picLocks noChangeAspect="1"/>
-            </p:cNvPicPr>
-            <p:nvPr/>
-          </p:nvPicPr>
-          <p:blipFill>
-            <a:blip r:embed="rId7" cstate="print">
-              <a:extLst>
-                <a:ext uri="{28A0092B-C50C-407E-A947-70E740481C1C}">
-                  <a14:useLocalDpi xmlns:a14="http://schemas.microsoft.com/office/drawing/2010/main" val="0"/>
-                </a:ext>
-              </a:extLst>
-            </a:blip>
-            <a:stretch>
-              <a:fillRect/>
-            </a:stretch>
-          </p:blipFill>
-          <p:spPr>
-            <a:xfrm>
-              <a:off x="245130" y="2180501"/>
-              <a:ext cx="230833" cy="230833"/>
-            </a:xfrm>
-            <a:prstGeom prst="rect">
-              <a:avLst/>
-            </a:prstGeom>
-          </p:spPr>
-        </p:pic>
+                <a:latin typeface="微軟正黑體 Light" panose="020B0304030504040204" pitchFamily="34" charset="-120"/>
+                <a:ea typeface="微軟正黑體 Light" panose="020B0304030504040204" pitchFamily="34" charset="-120"/>
+              </a:rPr>
+              <a:t>原味貝果</a:t>
+            </a:r>
+          </a:p>
+        </p:txBody>
+      </p:sp>
+      <p:grpSp>
+        <p:nvGrpSpPr>
+          <p:cNvPr id="2" name="群組 1"/>
+          <p:cNvGrpSpPr/>
+          <p:nvPr/>
+        </p:nvGrpSpPr>
+        <p:grpSpPr>
+          <a:xfrm>
+            <a:off x="585708" y="4176437"/>
+            <a:ext cx="2016282" cy="1426159"/>
+            <a:chOff x="350506" y="4139065"/>
+            <a:chExt cx="2408363" cy="1596222"/>
+          </a:xfrm>
+        </p:grpSpPr>
         <p:sp>
           <p:nvSpPr>
             <p:cNvPr id="23" name="矩形 22"/>
@@ -4497,7 +4615,7 @@
           </p:nvSpPr>
           <p:spPr>
             <a:xfrm>
-              <a:off x="349713" y="4140262"/>
+              <a:off x="350506" y="4139065"/>
               <a:ext cx="2408363" cy="1596222"/>
             </a:xfrm>
             <a:prstGeom prst="rect">
@@ -4562,7 +4680,7 @@
           </p:blipFill>
           <p:spPr>
             <a:xfrm>
-              <a:off x="1058258" y="4439341"/>
+              <a:off x="1059051" y="4438144"/>
               <a:ext cx="1079999" cy="1079999"/>
             </a:xfrm>
             <a:prstGeom prst="rect">
@@ -4578,7 +4696,7 @@
           </p:nvSpPr>
           <p:spPr>
             <a:xfrm>
-              <a:off x="349713" y="4244755"/>
+              <a:off x="350506" y="4243558"/>
               <a:ext cx="819455" cy="276871"/>
             </a:xfrm>
             <a:prstGeom prst="rect">
@@ -4608,389 +4726,6 @@
                 </a:rPr>
                 <a:t>鹽之花</a:t>
               </a:r>
-              <a:endParaRPr lang="zh-TW" altLang="en-US" sz="1199" dirty="0">
-                <a:solidFill>
-                  <a:schemeClr val="bg2">
-                    <a:lumMod val="10000"/>
-                  </a:schemeClr>
-                </a:solidFill>
-                <a:latin typeface="微軟正黑體 Light" panose="020B0304030504040204" pitchFamily="34" charset="-120"/>
-                <a:ea typeface="微軟正黑體 Light" panose="020B0304030504040204" pitchFamily="34" charset="-120"/>
-              </a:endParaRPr>
-            </a:p>
-          </p:txBody>
-        </p:sp>
-        <p:sp>
-          <p:nvSpPr>
-            <p:cNvPr id="26" name="矩形 25"/>
-            <p:cNvSpPr/>
-            <p:nvPr/>
-          </p:nvSpPr>
-          <p:spPr>
-            <a:xfrm>
-              <a:off x="349713" y="5919696"/>
-              <a:ext cx="2408363" cy="1596222"/>
-            </a:xfrm>
-            <a:prstGeom prst="rect">
-              <a:avLst/>
-            </a:prstGeom>
-            <a:solidFill>
-              <a:srgbClr val="FFFFC7"/>
-            </a:solidFill>
-            <a:ln>
-              <a:noFill/>
-            </a:ln>
-            <a:effectLst>
-              <a:softEdge rad="0"/>
-            </a:effectLst>
-          </p:spPr>
-          <p:style>
-            <a:lnRef idx="2">
-              <a:schemeClr val="accent1">
-                <a:shade val="50000"/>
-              </a:schemeClr>
-            </a:lnRef>
-            <a:fillRef idx="1">
-              <a:schemeClr val="accent1"/>
-            </a:fillRef>
-            <a:effectRef idx="0">
-              <a:schemeClr val="accent1"/>
-            </a:effectRef>
-            <a:fontRef idx="minor">
-              <a:schemeClr val="lt1"/>
-            </a:fontRef>
-          </p:style>
-          <p:txBody>
-            <a:bodyPr rtlCol="0" anchor="ctr"/>
-            <a:lstStyle/>
-            <a:p>
-              <a:pPr algn="ctr"/>
-              <a:endParaRPr lang="zh-TW" altLang="en-US"/>
-            </a:p>
-          </p:txBody>
-        </p:sp>
-        <p:sp>
-          <p:nvSpPr>
-            <p:cNvPr id="27" name="文字方塊 26"/>
-            <p:cNvSpPr txBox="1"/>
-            <p:nvPr/>
-          </p:nvSpPr>
-          <p:spPr>
-            <a:xfrm>
-              <a:off x="349713" y="6059665"/>
-              <a:ext cx="1016933" cy="276871"/>
-            </a:xfrm>
-            <a:prstGeom prst="rect">
-              <a:avLst/>
-            </a:prstGeom>
-            <a:noFill/>
-          </p:spPr>
-          <p:txBody>
-            <a:bodyPr wrap="square" rtlCol="0">
-              <a:spAutoFit/>
-            </a:bodyPr>
-            <a:lstStyle/>
-            <a:p>
-              <a:pPr marL="171479" indent="-171479">
-                <a:buFont typeface="Arial" panose="020B0604020202020204" pitchFamily="34" charset="0"/>
-                <a:buChar char="•"/>
-              </a:pPr>
-              <a:r>
-                <a:rPr lang="zh-TW" altLang="en-US" sz="1199" dirty="0">
-                  <a:solidFill>
-                    <a:schemeClr val="bg2">
-                      <a:lumMod val="10000"/>
-                    </a:schemeClr>
-                  </a:solidFill>
-                  <a:latin typeface="微軟正黑體 Light" panose="020B0304030504040204" pitchFamily="34" charset="-120"/>
-                  <a:ea typeface="微軟正黑體 Light" panose="020B0304030504040204" pitchFamily="34" charset="-120"/>
-                </a:rPr>
-                <a:t>藍莓貝果</a:t>
-              </a:r>
-              <a:endParaRPr lang="zh-TW" altLang="en-US" sz="1199" dirty="0">
-                <a:solidFill>
-                  <a:schemeClr val="bg2">
-                    <a:lumMod val="10000"/>
-                  </a:schemeClr>
-                </a:solidFill>
-                <a:latin typeface="微軟正黑體 Light" panose="020B0304030504040204" pitchFamily="34" charset="-120"/>
-                <a:ea typeface="微軟正黑體 Light" panose="020B0304030504040204" pitchFamily="34" charset="-120"/>
-              </a:endParaRPr>
-            </a:p>
-          </p:txBody>
-        </p:sp>
-        <p:sp>
-          <p:nvSpPr>
-            <p:cNvPr id="28" name="文字方塊 27"/>
-            <p:cNvSpPr txBox="1"/>
-            <p:nvPr/>
-          </p:nvSpPr>
-          <p:spPr>
-            <a:xfrm>
-              <a:off x="2066441" y="7285085"/>
-              <a:ext cx="736098" cy="230832"/>
-            </a:xfrm>
-            <a:prstGeom prst="rect">
-              <a:avLst/>
-            </a:prstGeom>
-            <a:noFill/>
-          </p:spPr>
-          <p:txBody>
-            <a:bodyPr wrap="square" rtlCol="0">
-              <a:spAutoFit/>
-            </a:bodyPr>
-            <a:lstStyle/>
-            <a:p>
-              <a:r>
-                <a:rPr lang="zh-TW" altLang="en-US" sz="900" u="sng" dirty="0">
-                  <a:solidFill>
-                    <a:schemeClr val="bg1">
-                      <a:lumMod val="65000"/>
-                    </a:schemeClr>
-                  </a:solidFill>
-                  <a:latin typeface="微軟正黑體" panose="020B0604030504040204" pitchFamily="34" charset="-120"/>
-                  <a:ea typeface="微軟正黑體" panose="020B0604030504040204" pitchFamily="34" charset="-120"/>
-                </a:rPr>
-                <a:t>更多資訊</a:t>
-              </a:r>
-              <a:r>
-                <a:rPr lang="en-US" altLang="zh-TW" sz="900" u="sng" dirty="0">
-                  <a:solidFill>
-                    <a:schemeClr val="bg1">
-                      <a:lumMod val="65000"/>
-                    </a:schemeClr>
-                  </a:solidFill>
-                  <a:latin typeface="微軟正黑體" panose="020B0604030504040204" pitchFamily="34" charset="-120"/>
-                  <a:ea typeface="微軟正黑體" panose="020B0604030504040204" pitchFamily="34" charset="-120"/>
-                </a:rPr>
-                <a:t>…</a:t>
-              </a:r>
-              <a:endParaRPr lang="zh-TW" altLang="en-US" sz="900" u="sng" dirty="0">
-                <a:solidFill>
-                  <a:schemeClr val="bg1">
-                    <a:lumMod val="65000"/>
-                  </a:schemeClr>
-                </a:solidFill>
-                <a:latin typeface="微軟正黑體" panose="020B0604030504040204" pitchFamily="34" charset="-120"/>
-                <a:ea typeface="微軟正黑體" panose="020B0604030504040204" pitchFamily="34" charset="-120"/>
-              </a:endParaRPr>
-            </a:p>
-          </p:txBody>
-        </p:sp>
-        <p:pic>
-          <p:nvPicPr>
-            <p:cNvPr id="29" name="圖片 28"/>
-            <p:cNvPicPr>
-              <a:picLocks noChangeAspect="1"/>
-            </p:cNvPicPr>
-            <p:nvPr/>
-          </p:nvPicPr>
-          <p:blipFill>
-            <a:blip r:embed="rId9" cstate="print">
-              <a:extLst>
-                <a:ext uri="{28A0092B-C50C-407E-A947-70E740481C1C}">
-                  <a14:useLocalDpi xmlns:a14="http://schemas.microsoft.com/office/drawing/2010/main" val="0"/>
-                </a:ext>
-              </a:extLst>
-            </a:blip>
-            <a:stretch>
-              <a:fillRect/>
-            </a:stretch>
-          </p:blipFill>
-          <p:spPr>
-            <a:xfrm>
-              <a:off x="1058258" y="6292196"/>
-              <a:ext cx="1079999" cy="1079999"/>
-            </a:xfrm>
-            <a:prstGeom prst="rect">
-              <a:avLst/>
-            </a:prstGeom>
-          </p:spPr>
-        </p:pic>
-        <p:sp>
-          <p:nvSpPr>
-            <p:cNvPr id="30" name="矩形 29"/>
-            <p:cNvSpPr/>
-            <p:nvPr/>
-          </p:nvSpPr>
-          <p:spPr>
-            <a:xfrm>
-              <a:off x="349713" y="7725211"/>
-              <a:ext cx="2408363" cy="1596222"/>
-            </a:xfrm>
-            <a:prstGeom prst="rect">
-              <a:avLst/>
-            </a:prstGeom>
-            <a:solidFill>
-              <a:srgbClr val="FFFFC7"/>
-            </a:solidFill>
-            <a:ln>
-              <a:noFill/>
-            </a:ln>
-            <a:effectLst>
-              <a:softEdge rad="0"/>
-            </a:effectLst>
-          </p:spPr>
-          <p:style>
-            <a:lnRef idx="2">
-              <a:schemeClr val="accent1">
-                <a:shade val="50000"/>
-              </a:schemeClr>
-            </a:lnRef>
-            <a:fillRef idx="1">
-              <a:schemeClr val="accent1"/>
-            </a:fillRef>
-            <a:effectRef idx="0">
-              <a:schemeClr val="accent1"/>
-            </a:effectRef>
-            <a:fontRef idx="minor">
-              <a:schemeClr val="lt1"/>
-            </a:fontRef>
-          </p:style>
-          <p:txBody>
-            <a:bodyPr rtlCol="0" anchor="ctr"/>
-            <a:lstStyle/>
-            <a:p>
-              <a:pPr algn="ctr"/>
-              <a:endParaRPr lang="zh-TW" altLang="en-US"/>
-            </a:p>
-          </p:txBody>
-        </p:sp>
-        <p:pic>
-          <p:nvPicPr>
-            <p:cNvPr id="31" name="圖片 30"/>
-            <p:cNvPicPr>
-              <a:picLocks noChangeAspect="1"/>
-            </p:cNvPicPr>
-            <p:nvPr/>
-          </p:nvPicPr>
-          <p:blipFill>
-            <a:blip r:embed="rId10" cstate="print">
-              <a:extLst>
-                <a:ext uri="{28A0092B-C50C-407E-A947-70E740481C1C}">
-                  <a14:useLocalDpi xmlns:a14="http://schemas.microsoft.com/office/drawing/2010/main" val="0"/>
-                </a:ext>
-              </a:extLst>
-            </a:blip>
-            <a:stretch>
-              <a:fillRect/>
-            </a:stretch>
-          </p:blipFill>
-          <p:spPr>
-            <a:xfrm>
-              <a:off x="1006724" y="8134289"/>
-              <a:ext cx="1079999" cy="1079999"/>
-            </a:xfrm>
-            <a:prstGeom prst="rect">
-              <a:avLst/>
-            </a:prstGeom>
-          </p:spPr>
-        </p:pic>
-        <p:sp>
-          <p:nvSpPr>
-            <p:cNvPr id="32" name="文字方塊 31"/>
-            <p:cNvSpPr txBox="1"/>
-            <p:nvPr/>
-          </p:nvSpPr>
-          <p:spPr>
-            <a:xfrm>
-              <a:off x="349713" y="7877066"/>
-              <a:ext cx="973343" cy="276871"/>
-            </a:xfrm>
-            <a:prstGeom prst="rect">
-              <a:avLst/>
-            </a:prstGeom>
-            <a:noFill/>
-          </p:spPr>
-          <p:txBody>
-            <a:bodyPr wrap="none" rtlCol="0">
-              <a:spAutoFit/>
-            </a:bodyPr>
-            <a:lstStyle/>
-            <a:p>
-              <a:pPr marL="171479" indent="-171479">
-                <a:buFont typeface="Arial" panose="020B0604020202020204" pitchFamily="34" charset="0"/>
-                <a:buChar char="•"/>
-              </a:pPr>
-              <a:r>
-                <a:rPr lang="zh-TW" altLang="en-US" sz="1199" dirty="0">
-                  <a:solidFill>
-                    <a:schemeClr val="bg2">
-                      <a:lumMod val="10000"/>
-                    </a:schemeClr>
-                  </a:solidFill>
-                  <a:latin typeface="微軟正黑體 Light" panose="020B0304030504040204" pitchFamily="34" charset="-120"/>
-                  <a:ea typeface="微軟正黑體 Light" panose="020B0304030504040204" pitchFamily="34" charset="-120"/>
-                </a:rPr>
-                <a:t>原味貝果</a:t>
-              </a:r>
-              <a:endParaRPr lang="zh-TW" altLang="en-US" sz="1199" dirty="0">
-                <a:solidFill>
-                  <a:schemeClr val="bg2">
-                    <a:lumMod val="10000"/>
-                  </a:schemeClr>
-                </a:solidFill>
-                <a:latin typeface="微軟正黑體 Light" panose="020B0304030504040204" pitchFamily="34" charset="-120"/>
-                <a:ea typeface="微軟正黑體 Light" panose="020B0304030504040204" pitchFamily="34" charset="-120"/>
-              </a:endParaRPr>
-            </a:p>
-          </p:txBody>
-        </p:sp>
-        <p:sp>
-          <p:nvSpPr>
-            <p:cNvPr id="33" name="文字方塊 32"/>
-            <p:cNvSpPr txBox="1"/>
-            <p:nvPr/>
-          </p:nvSpPr>
-          <p:spPr>
-            <a:xfrm>
-              <a:off x="2066441" y="9090600"/>
-              <a:ext cx="736098" cy="230832"/>
-            </a:xfrm>
-            <a:prstGeom prst="rect">
-              <a:avLst/>
-            </a:prstGeom>
-            <a:noFill/>
-          </p:spPr>
-          <p:txBody>
-            <a:bodyPr wrap="square" rtlCol="0">
-              <a:spAutoFit/>
-            </a:bodyPr>
-            <a:lstStyle/>
-            <a:p>
-              <a:r>
-                <a:rPr lang="zh-TW" altLang="en-US" sz="900" u="sng" dirty="0">
-                  <a:solidFill>
-                    <a:schemeClr val="bg1">
-                      <a:lumMod val="65000"/>
-                    </a:schemeClr>
-                  </a:solidFill>
-                  <a:latin typeface="微軟正黑體" panose="020B0604030504040204" pitchFamily="34" charset="-120"/>
-                  <a:ea typeface="微軟正黑體" panose="020B0604030504040204" pitchFamily="34" charset="-120"/>
-                </a:rPr>
-                <a:t>更多資訊</a:t>
-              </a:r>
-              <a:r>
-                <a:rPr lang="en-US" altLang="zh-TW" sz="900" u="sng" dirty="0">
-                  <a:solidFill>
-                    <a:schemeClr val="bg1">
-                      <a:lumMod val="65000"/>
-                    </a:schemeClr>
-                  </a:solidFill>
-                  <a:latin typeface="微軟正黑體" panose="020B0604030504040204" pitchFamily="34" charset="-120"/>
-                  <a:ea typeface="微軟正黑體" panose="020B0604030504040204" pitchFamily="34" charset="-120"/>
-                </a:rPr>
-                <a:t>…</a:t>
-              </a:r>
-              <a:endParaRPr lang="zh-TW" altLang="en-US" sz="900" u="sng" dirty="0">
-                <a:solidFill>
-                  <a:schemeClr val="bg1">
-                    <a:lumMod val="65000"/>
-                  </a:schemeClr>
-                </a:solidFill>
-                <a:latin typeface="微軟正黑體" panose="020B0604030504040204" pitchFamily="34" charset="-120"/>
-                <a:ea typeface="微軟正黑體" panose="020B0604030504040204" pitchFamily="34" charset="-120"/>
-              </a:endParaRPr>
             </a:p>
           </p:txBody>
         </p:sp>
@@ -5002,8 +4737,8 @@
           </p:nvSpPr>
           <p:spPr>
             <a:xfrm>
-              <a:off x="2066441" y="5494811"/>
-              <a:ext cx="736098" cy="230832"/>
+              <a:off x="1735325" y="5448925"/>
+              <a:ext cx="980413" cy="258358"/>
             </a:xfrm>
             <a:prstGeom prst="rect">
               <a:avLst/>
@@ -5053,6 +4788,231 @@
           </p:txBody>
         </p:sp>
       </p:grpSp>
+      <p:grpSp>
+        <p:nvGrpSpPr>
+          <p:cNvPr id="58" name="群組 57"/>
+          <p:cNvGrpSpPr/>
+          <p:nvPr/>
+        </p:nvGrpSpPr>
+        <p:grpSpPr>
+          <a:xfrm>
+            <a:off x="585708" y="5970929"/>
+            <a:ext cx="2016282" cy="1426159"/>
+            <a:chOff x="350506" y="4139065"/>
+            <a:chExt cx="2408363" cy="1596222"/>
+          </a:xfrm>
+        </p:grpSpPr>
+        <p:sp>
+          <p:nvSpPr>
+            <p:cNvPr id="59" name="矩形 58"/>
+            <p:cNvSpPr/>
+            <p:nvPr/>
+          </p:nvSpPr>
+          <p:spPr>
+            <a:xfrm>
+              <a:off x="350506" y="4139065"/>
+              <a:ext cx="2408363" cy="1596222"/>
+            </a:xfrm>
+            <a:prstGeom prst="rect">
+              <a:avLst/>
+            </a:prstGeom>
+            <a:solidFill>
+              <a:srgbClr val="FFFF00">
+                <a:alpha val="47000"/>
+              </a:srgbClr>
+            </a:solidFill>
+            <a:ln>
+              <a:noFill/>
+            </a:ln>
+            <a:effectLst>
+              <a:softEdge rad="0"/>
+            </a:effectLst>
+          </p:spPr>
+          <p:style>
+            <a:lnRef idx="2">
+              <a:schemeClr val="accent1">
+                <a:shade val="50000"/>
+              </a:schemeClr>
+            </a:lnRef>
+            <a:fillRef idx="1">
+              <a:schemeClr val="accent1"/>
+            </a:fillRef>
+            <a:effectRef idx="0">
+              <a:schemeClr val="accent1"/>
+            </a:effectRef>
+            <a:fontRef idx="minor">
+              <a:schemeClr val="lt1"/>
+            </a:fontRef>
+          </p:style>
+          <p:txBody>
+            <a:bodyPr rtlCol="0" anchor="ctr"/>
+            <a:lstStyle/>
+            <a:p>
+              <a:pPr algn="ctr"/>
+              <a:endParaRPr lang="zh-TW" altLang="en-US"/>
+            </a:p>
+          </p:txBody>
+        </p:sp>
+        <p:sp>
+          <p:nvSpPr>
+            <p:cNvPr id="61" name="文字方塊 60"/>
+            <p:cNvSpPr txBox="1"/>
+            <p:nvPr/>
+          </p:nvSpPr>
+          <p:spPr>
+            <a:xfrm>
+              <a:off x="350506" y="4243558"/>
+              <a:ext cx="819455" cy="276871"/>
+            </a:xfrm>
+            <a:prstGeom prst="rect">
+              <a:avLst/>
+            </a:prstGeom>
+            <a:noFill/>
+          </p:spPr>
+          <p:txBody>
+            <a:bodyPr wrap="none" rtlCol="0">
+              <a:spAutoFit/>
+            </a:bodyPr>
+            <a:lstStyle/>
+            <a:p>
+              <a:pPr marL="171479" indent="-171479">
+                <a:buFont typeface="Arial" panose="020B0604020202020204" pitchFamily="34" charset="0"/>
+                <a:buChar char="•"/>
+              </a:pPr>
+              <a:r>
+                <a:rPr lang="zh-TW" altLang="en-US" sz="1199" dirty="0">
+                  <a:solidFill>
+                    <a:schemeClr val="bg2">
+                      <a:lumMod val="10000"/>
+                    </a:schemeClr>
+                  </a:solidFill>
+                  <a:latin typeface="微軟正黑體 Light" panose="020B0304030504040204" pitchFamily="34" charset="-120"/>
+                  <a:ea typeface="微軟正黑體 Light" panose="020B0304030504040204" pitchFamily="34" charset="-120"/>
+                </a:rPr>
+                <a:t>鹽之花</a:t>
+              </a:r>
+            </a:p>
+          </p:txBody>
+        </p:sp>
+        <p:sp>
+          <p:nvSpPr>
+            <p:cNvPr id="62" name="文字方塊 61"/>
+            <p:cNvSpPr txBox="1"/>
+            <p:nvPr/>
+          </p:nvSpPr>
+          <p:spPr>
+            <a:xfrm>
+              <a:off x="1735325" y="5448925"/>
+              <a:ext cx="980413" cy="258358"/>
+            </a:xfrm>
+            <a:prstGeom prst="rect">
+              <a:avLst/>
+            </a:prstGeom>
+            <a:noFill/>
+          </p:spPr>
+          <p:txBody>
+            <a:bodyPr wrap="square" rtlCol="0">
+              <a:spAutoFit/>
+            </a:bodyPr>
+            <a:lstStyle/>
+            <a:p>
+              <a:r>
+                <a:rPr lang="zh-TW" altLang="en-US" sz="900" u="sng" dirty="0">
+                  <a:solidFill>
+                    <a:schemeClr val="bg1">
+                      <a:lumMod val="65000"/>
+                    </a:schemeClr>
+                  </a:solidFill>
+                  <a:latin typeface="微軟正黑體" panose="020B0604030504040204" pitchFamily="34" charset="-120"/>
+                  <a:ea typeface="微軟正黑體" panose="020B0604030504040204" pitchFamily="34" charset="-120"/>
+                </a:rPr>
+                <a:t>更多資訊</a:t>
+              </a:r>
+              <a:r>
+                <a:rPr lang="en-US" altLang="zh-TW" sz="900" u="sng" dirty="0">
+                  <a:solidFill>
+                    <a:schemeClr val="bg1">
+                      <a:lumMod val="65000"/>
+                    </a:schemeClr>
+                  </a:solidFill>
+                  <a:latin typeface="微軟正黑體" panose="020B0604030504040204" pitchFamily="34" charset="-120"/>
+                  <a:ea typeface="微軟正黑體" panose="020B0604030504040204" pitchFamily="34" charset="-120"/>
+                </a:rPr>
+                <a:t>…</a:t>
+              </a:r>
+              <a:endParaRPr lang="zh-TW" altLang="en-US" sz="900" u="sng" dirty="0">
+                <a:solidFill>
+                  <a:schemeClr val="bg1">
+                    <a:lumMod val="65000"/>
+                  </a:schemeClr>
+                </a:solidFill>
+                <a:latin typeface="微軟正黑體" panose="020B0604030504040204" pitchFamily="34" charset="-120"/>
+                <a:ea typeface="微軟正黑體" panose="020B0604030504040204" pitchFamily="34" charset="-120"/>
+              </a:endParaRPr>
+            </a:p>
+          </p:txBody>
+        </p:sp>
+      </p:grpSp>
+      <p:pic>
+        <p:nvPicPr>
+          <p:cNvPr id="29" name="圖片 28"/>
+          <p:cNvPicPr>
+            <a:picLocks noChangeAspect="1"/>
+          </p:cNvPicPr>
+          <p:nvPr/>
+        </p:nvPicPr>
+        <p:blipFill>
+          <a:blip r:embed="rId9" cstate="print">
+            <a:extLst>
+              <a:ext uri="{28A0092B-C50C-407E-A947-70E740481C1C}">
+                <a14:useLocalDpi xmlns:a14="http://schemas.microsoft.com/office/drawing/2010/main" val="0"/>
+              </a:ext>
+            </a:extLst>
+          </a:blip>
+          <a:stretch>
+            <a:fillRect/>
+          </a:stretch>
+        </p:blipFill>
+        <p:spPr>
+          <a:xfrm>
+            <a:off x="1312411" y="6261475"/>
+            <a:ext cx="804375" cy="804375"/>
+          </a:xfrm>
+          <a:prstGeom prst="rect">
+            <a:avLst/>
+          </a:prstGeom>
+        </p:spPr>
+      </p:pic>
+      <p:pic>
+        <p:nvPicPr>
+          <p:cNvPr id="31" name="圖片 30"/>
+          <p:cNvPicPr>
+            <a:picLocks noChangeAspect="1"/>
+          </p:cNvPicPr>
+          <p:nvPr/>
+        </p:nvPicPr>
+        <p:blipFill>
+          <a:blip r:embed="rId10" cstate="print">
+            <a:extLst>
+              <a:ext uri="{28A0092B-C50C-407E-A947-70E740481C1C}">
+                <a14:useLocalDpi xmlns:a14="http://schemas.microsoft.com/office/drawing/2010/main" val="0"/>
+              </a:ext>
+            </a:extLst>
+          </a:blip>
+          <a:stretch>
+            <a:fillRect/>
+          </a:stretch>
+        </p:blipFill>
+        <p:spPr>
+          <a:xfrm>
+            <a:off x="1220635" y="8081889"/>
+            <a:ext cx="785720" cy="785720"/>
+          </a:xfrm>
+          <a:prstGeom prst="rect">
+            <a:avLst/>
+          </a:prstGeom>
+        </p:spPr>
+      </p:pic>
     </p:spTree>
     <p:extLst>
       <p:ext uri="{BB962C8B-B14F-4D97-AF65-F5344CB8AC3E}">
